--- a/PPT/6 Disk Management.pptx
+++ b/PPT/6 Disk Management.pptx
@@ -5,7 +5,7 @@
     <p:sldMasterId id="2147483648" r:id="rId1"/>
   </p:sldMasterIdLst>
   <p:notesMasterIdLst>
-    <p:notesMasterId r:id="rId33"/>
+    <p:notesMasterId r:id="rId32"/>
   </p:notesMasterIdLst>
   <p:sldIdLst>
     <p:sldId id="256" r:id="rId2"/>
@@ -14,31 +14,30 @@
     <p:sldId id="444" r:id="rId5"/>
     <p:sldId id="445" r:id="rId6"/>
     <p:sldId id="446" r:id="rId7"/>
-    <p:sldId id="447" r:id="rId8"/>
-    <p:sldId id="448" r:id="rId9"/>
-    <p:sldId id="408" r:id="rId10"/>
-    <p:sldId id="409" r:id="rId11"/>
-    <p:sldId id="410" r:id="rId12"/>
-    <p:sldId id="411" r:id="rId13"/>
-    <p:sldId id="412" r:id="rId14"/>
-    <p:sldId id="449" r:id="rId15"/>
-    <p:sldId id="413" r:id="rId16"/>
-    <p:sldId id="451" r:id="rId17"/>
-    <p:sldId id="414" r:id="rId18"/>
-    <p:sldId id="415" r:id="rId19"/>
-    <p:sldId id="416" r:id="rId20"/>
-    <p:sldId id="417" r:id="rId21"/>
-    <p:sldId id="418" r:id="rId22"/>
-    <p:sldId id="419" r:id="rId23"/>
-    <p:sldId id="450" r:id="rId24"/>
-    <p:sldId id="420" r:id="rId25"/>
-    <p:sldId id="421" r:id="rId26"/>
-    <p:sldId id="422" r:id="rId27"/>
-    <p:sldId id="423" r:id="rId28"/>
-    <p:sldId id="424" r:id="rId29"/>
-    <p:sldId id="425" r:id="rId30"/>
-    <p:sldId id="426" r:id="rId31"/>
-    <p:sldId id="286" r:id="rId32"/>
+    <p:sldId id="448" r:id="rId8"/>
+    <p:sldId id="408" r:id="rId9"/>
+    <p:sldId id="409" r:id="rId10"/>
+    <p:sldId id="410" r:id="rId11"/>
+    <p:sldId id="411" r:id="rId12"/>
+    <p:sldId id="412" r:id="rId13"/>
+    <p:sldId id="449" r:id="rId14"/>
+    <p:sldId id="413" r:id="rId15"/>
+    <p:sldId id="451" r:id="rId16"/>
+    <p:sldId id="414" r:id="rId17"/>
+    <p:sldId id="415" r:id="rId18"/>
+    <p:sldId id="416" r:id="rId19"/>
+    <p:sldId id="417" r:id="rId20"/>
+    <p:sldId id="418" r:id="rId21"/>
+    <p:sldId id="419" r:id="rId22"/>
+    <p:sldId id="450" r:id="rId23"/>
+    <p:sldId id="420" r:id="rId24"/>
+    <p:sldId id="421" r:id="rId25"/>
+    <p:sldId id="422" r:id="rId26"/>
+    <p:sldId id="423" r:id="rId27"/>
+    <p:sldId id="424" r:id="rId28"/>
+    <p:sldId id="425" r:id="rId29"/>
+    <p:sldId id="426" r:id="rId30"/>
+    <p:sldId id="286" r:id="rId31"/>
   </p:sldIdLst>
   <p:sldSz cx="12192000" cy="6858000"/>
   <p:notesSz cx="6858000" cy="9144000"/>
@@ -139,7 +138,7 @@
   </p:defaultTextStyle>
   <p:extLst>
     <p:ext uri="{EFAFB233-063F-42B5-8137-9DF3F51BA10A}">
-      <p15:sldGuideLst xmlns="" xmlns:p15="http://schemas.microsoft.com/office/powerpoint/2012/main"/>
+      <p15:sldGuideLst xmlns:p15="http://schemas.microsoft.com/office/powerpoint/2012/main" xmlns=""/>
     </p:ext>
   </p:extLst>
 </p:presentation>
@@ -227,7 +226,7 @@
           <a:p>
             <a:fld id="{00C1DF01-E9E9-4B0D-8D31-8F1887D834E2}" type="datetimeFigureOut">
               <a:rPr lang="zh-CN" altLang="en-US" smtClean="0"/>
-              <a:t>2017/8/31</a:t>
+              <a:t>2017/9/7</a:t>
             </a:fld>
             <a:endParaRPr lang="zh-CN" altLang="en-US"/>
           </a:p>
@@ -598,232 +597,6 @@
       </p:grpSpPr>
       <p:sp>
         <p:nvSpPr>
-          <p:cNvPr id="57346" name="Rectangle 7"/>
-          <p:cNvSpPr>
-            <a:spLocks noGrp="1" noChangeArrowheads="1"/>
-          </p:cNvSpPr>
-          <p:nvPr>
-            <p:ph type="sldNum" sz="quarter" idx="5"/>
-          </p:nvPr>
-        </p:nvSpPr>
-        <p:spPr>
-          <a:noFill/>
-          <a:extLst>
-            <a:ext uri="{909E8E84-426E-40DD-AFC4-6F175D3DCCD1}">
-              <a14:hiddenFill xmlns:a14="http://schemas.microsoft.com/office/drawing/2010/main">
-                <a:solidFill>
-                  <a:srgbClr val="FFFFFF"/>
-                </a:solidFill>
-              </a14:hiddenFill>
-            </a:ext>
-            <a:ext uri="{91240B29-F687-4F45-9708-019B960494DF}">
-              <a14:hiddenLine xmlns:a14="http://schemas.microsoft.com/office/drawing/2010/main" w="9525">
-                <a:solidFill>
-                  <a:srgbClr val="000000"/>
-                </a:solidFill>
-                <a:miter lim="800000"/>
-                <a:headEnd/>
-                <a:tailEnd/>
-              </a14:hiddenLine>
-            </a:ext>
-          </a:extLst>
-        </p:spPr>
-        <p:txBody>
-          <a:bodyPr/>
-          <a:lstStyle>
-            <a:lvl1pPr eaLnBrk="0" hangingPunct="0">
-              <a:defRPr sz="3600">
-                <a:solidFill>
-                  <a:srgbClr val="000000"/>
-                </a:solidFill>
-                <a:latin typeface="Arial" charset="0"/>
-                <a:ea typeface="黑体" pitchFamily="2" charset="-122"/>
-              </a:defRPr>
-            </a:lvl1pPr>
-            <a:lvl2pPr marL="742950" indent="-285750" eaLnBrk="0" hangingPunct="0">
-              <a:defRPr sz="3600">
-                <a:solidFill>
-                  <a:srgbClr val="000000"/>
-                </a:solidFill>
-                <a:latin typeface="Arial" charset="0"/>
-                <a:ea typeface="黑体" pitchFamily="2" charset="-122"/>
-              </a:defRPr>
-            </a:lvl2pPr>
-            <a:lvl3pPr marL="1143000" indent="-228600" eaLnBrk="0" hangingPunct="0">
-              <a:defRPr sz="3600">
-                <a:solidFill>
-                  <a:srgbClr val="000000"/>
-                </a:solidFill>
-                <a:latin typeface="Arial" charset="0"/>
-                <a:ea typeface="黑体" pitchFamily="2" charset="-122"/>
-              </a:defRPr>
-            </a:lvl3pPr>
-            <a:lvl4pPr marL="1600200" indent="-228600" eaLnBrk="0" hangingPunct="0">
-              <a:defRPr sz="3600">
-                <a:solidFill>
-                  <a:srgbClr val="000000"/>
-                </a:solidFill>
-                <a:latin typeface="Arial" charset="0"/>
-                <a:ea typeface="黑体" pitchFamily="2" charset="-122"/>
-              </a:defRPr>
-            </a:lvl4pPr>
-            <a:lvl5pPr marL="2057400" indent="-228600" eaLnBrk="0" hangingPunct="0">
-              <a:defRPr sz="3600">
-                <a:solidFill>
-                  <a:srgbClr val="000000"/>
-                </a:solidFill>
-                <a:latin typeface="Arial" charset="0"/>
-                <a:ea typeface="黑体" pitchFamily="2" charset="-122"/>
-              </a:defRPr>
-            </a:lvl5pPr>
-            <a:lvl6pPr marL="2514600" indent="-228600" algn="ctr" eaLnBrk="0" fontAlgn="base" hangingPunct="0">
-              <a:spcBef>
-                <a:spcPct val="0"/>
-              </a:spcBef>
-              <a:spcAft>
-                <a:spcPct val="0"/>
-              </a:spcAft>
-              <a:defRPr sz="3600">
-                <a:solidFill>
-                  <a:srgbClr val="000000"/>
-                </a:solidFill>
-                <a:latin typeface="Arial" charset="0"/>
-                <a:ea typeface="黑体" pitchFamily="2" charset="-122"/>
-              </a:defRPr>
-            </a:lvl6pPr>
-            <a:lvl7pPr marL="2971800" indent="-228600" algn="ctr" eaLnBrk="0" fontAlgn="base" hangingPunct="0">
-              <a:spcBef>
-                <a:spcPct val="0"/>
-              </a:spcBef>
-              <a:spcAft>
-                <a:spcPct val="0"/>
-              </a:spcAft>
-              <a:defRPr sz="3600">
-                <a:solidFill>
-                  <a:srgbClr val="000000"/>
-                </a:solidFill>
-                <a:latin typeface="Arial" charset="0"/>
-                <a:ea typeface="黑体" pitchFamily="2" charset="-122"/>
-              </a:defRPr>
-            </a:lvl7pPr>
-            <a:lvl8pPr marL="3429000" indent="-228600" algn="ctr" eaLnBrk="0" fontAlgn="base" hangingPunct="0">
-              <a:spcBef>
-                <a:spcPct val="0"/>
-              </a:spcBef>
-              <a:spcAft>
-                <a:spcPct val="0"/>
-              </a:spcAft>
-              <a:defRPr sz="3600">
-                <a:solidFill>
-                  <a:srgbClr val="000000"/>
-                </a:solidFill>
-                <a:latin typeface="Arial" charset="0"/>
-                <a:ea typeface="黑体" pitchFamily="2" charset="-122"/>
-              </a:defRPr>
-            </a:lvl8pPr>
-            <a:lvl9pPr marL="3886200" indent="-228600" algn="ctr" eaLnBrk="0" fontAlgn="base" hangingPunct="0">
-              <a:spcBef>
-                <a:spcPct val="0"/>
-              </a:spcBef>
-              <a:spcAft>
-                <a:spcPct val="0"/>
-              </a:spcAft>
-              <a:defRPr sz="3600">
-                <a:solidFill>
-                  <a:srgbClr val="000000"/>
-                </a:solidFill>
-                <a:latin typeface="Arial" charset="0"/>
-                <a:ea typeface="黑体" pitchFamily="2" charset="-122"/>
-              </a:defRPr>
-            </a:lvl9pPr>
-          </a:lstStyle>
-          <a:p>
-            <a:pPr eaLnBrk="1" hangingPunct="1"/>
-            <a:fld id="{2D806859-714F-4E91-83B8-47D0E0BB87EE}" type="slidenum">
-              <a:rPr lang="en-US" altLang="zh-CN" sz="1200" smtClean="0">
-                <a:solidFill>
-                  <a:schemeClr val="tx1"/>
-                </a:solidFill>
-                <a:ea typeface="宋体" charset="-122"/>
-              </a:rPr>
-              <a:pPr eaLnBrk="1" hangingPunct="1"/>
-              <a:t>13</a:t>
-            </a:fld>
-            <a:endParaRPr lang="en-US" altLang="zh-CN" sz="1200" smtClean="0">
-              <a:solidFill>
-                <a:schemeClr val="tx1"/>
-              </a:solidFill>
-              <a:ea typeface="宋体" charset="-122"/>
-            </a:endParaRPr>
-          </a:p>
-        </p:txBody>
-      </p:sp>
-      <p:sp>
-        <p:nvSpPr>
-          <p:cNvPr id="57347" name="Rectangle 2"/>
-          <p:cNvSpPr>
-            <a:spLocks noGrp="1" noRot="1" noChangeAspect="1" noChangeArrowheads="1" noTextEdit="1"/>
-          </p:cNvSpPr>
-          <p:nvPr>
-            <p:ph type="sldImg"/>
-          </p:nvPr>
-        </p:nvSpPr>
-        <p:spPr>
-          <a:ln/>
-        </p:spPr>
-      </p:sp>
-      <p:sp>
-        <p:nvSpPr>
-          <p:cNvPr id="57348" name="Rectangle 3"/>
-          <p:cNvSpPr>
-            <a:spLocks noGrp="1" noChangeArrowheads="1"/>
-          </p:cNvSpPr>
-          <p:nvPr>
-            <p:ph type="body" idx="1"/>
-          </p:nvPr>
-        </p:nvSpPr>
-        <p:spPr>
-          <a:noFill/>
-        </p:spPr>
-        <p:txBody>
-          <a:bodyPr/>
-          <a:lstStyle/>
-          <a:p>
-            <a:pPr eaLnBrk="1" hangingPunct="1">
-              <a:buFont typeface="Wingdings" pitchFamily="2" charset="2"/>
-              <a:buChar char="l"/>
-            </a:pPr>
-            <a:endParaRPr lang="zh-CN" altLang="en-US"/>
-          </a:p>
-        </p:txBody>
-      </p:sp>
-    </p:spTree>
-  </p:cSld>
-  <p:clrMapOvr>
-    <a:masterClrMapping/>
-  </p:clrMapOvr>
-</p:notes>
-</file>
-
-<file path=ppt/notesSlides/notesSlide11.xml><?xml version="1.0" encoding="utf-8"?>
-<p:notes xmlns:a="http://schemas.openxmlformats.org/drawingml/2006/main" xmlns:r="http://schemas.openxmlformats.org/officeDocument/2006/relationships" xmlns:p="http://schemas.openxmlformats.org/presentationml/2006/main">
-  <p:cSld>
-    <p:spTree>
-      <p:nvGrpSpPr>
-        <p:cNvPr id="1" name=""/>
-        <p:cNvGrpSpPr/>
-        <p:nvPr/>
-      </p:nvGrpSpPr>
-      <p:grpSpPr>
-        <a:xfrm>
-          <a:off x="0" y="0"/>
-          <a:ext cx="0" cy="0"/>
-          <a:chOff x="0" y="0"/>
-          <a:chExt cx="0" cy="0"/>
-        </a:xfrm>
-      </p:grpSpPr>
-      <p:sp>
-        <p:nvSpPr>
           <p:cNvPr id="58370" name="Rectangle 7"/>
           <p:cNvSpPr>
             <a:spLocks noGrp="1" noChangeArrowheads="1"/>
@@ -973,7 +746,7 @@
                 <a:ea typeface="宋体" charset="-122"/>
               </a:rPr>
               <a:pPr eaLnBrk="1" hangingPunct="1"/>
-              <a:t>15</a:t>
+              <a:t>14</a:t>
             </a:fld>
             <a:endParaRPr lang="en-US" altLang="zh-CN" sz="1200" smtClean="0">
               <a:solidFill>
@@ -1050,7 +823,7 @@
 </p:notes>
 </file>
 
-<file path=ppt/notesSlides/notesSlide12.xml><?xml version="1.0" encoding="utf-8"?>
+<file path=ppt/notesSlides/notesSlide11.xml><?xml version="1.0" encoding="utf-8"?>
 <p:notes xmlns:a="http://schemas.openxmlformats.org/drawingml/2006/main" xmlns:r="http://schemas.openxmlformats.org/officeDocument/2006/relationships" xmlns:p="http://schemas.openxmlformats.org/presentationml/2006/main">
   <p:cSld>
     <p:spTree>
@@ -1218,7 +991,7 @@
                 <a:ea typeface="宋体" charset="-122"/>
               </a:rPr>
               <a:pPr eaLnBrk="1" hangingPunct="1"/>
-              <a:t>17</a:t>
+              <a:t>16</a:t>
             </a:fld>
             <a:endParaRPr lang="en-US" altLang="zh-CN" sz="1200" smtClean="0">
               <a:solidFill>
@@ -1295,7 +1068,7 @@
 </p:notes>
 </file>
 
-<file path=ppt/notesSlides/notesSlide13.xml><?xml version="1.0" encoding="utf-8"?>
+<file path=ppt/notesSlides/notesSlide12.xml><?xml version="1.0" encoding="utf-8"?>
 <p:notes xmlns:a="http://schemas.openxmlformats.org/drawingml/2006/main" xmlns:r="http://schemas.openxmlformats.org/officeDocument/2006/relationships" xmlns:p="http://schemas.openxmlformats.org/presentationml/2006/main">
   <p:cSld>
     <p:spTree>
@@ -1463,7 +1236,7 @@
                 <a:ea typeface="宋体" charset="-122"/>
               </a:rPr>
               <a:pPr eaLnBrk="1" hangingPunct="1"/>
-              <a:t>18</a:t>
+              <a:t>17</a:t>
             </a:fld>
             <a:endParaRPr lang="en-US" altLang="zh-CN" sz="1200" smtClean="0">
               <a:solidFill>
@@ -1540,7 +1313,7 @@
 </p:notes>
 </file>
 
-<file path=ppt/notesSlides/notesSlide14.xml><?xml version="1.0" encoding="utf-8"?>
+<file path=ppt/notesSlides/notesSlide13.xml><?xml version="1.0" encoding="utf-8"?>
 <p:notes xmlns:a="http://schemas.openxmlformats.org/drawingml/2006/main" xmlns:r="http://schemas.openxmlformats.org/officeDocument/2006/relationships" xmlns:p="http://schemas.openxmlformats.org/presentationml/2006/main">
   <p:cSld>
     <p:spTree>
@@ -1708,7 +1481,7 @@
                 <a:ea typeface="宋体" charset="-122"/>
               </a:rPr>
               <a:pPr eaLnBrk="1" hangingPunct="1"/>
-              <a:t>19</a:t>
+              <a:t>18</a:t>
             </a:fld>
             <a:endParaRPr lang="en-US" altLang="zh-CN" sz="1200" smtClean="0">
               <a:solidFill>
@@ -1785,7 +1558,7 @@
 </p:notes>
 </file>
 
-<file path=ppt/notesSlides/notesSlide15.xml><?xml version="1.0" encoding="utf-8"?>
+<file path=ppt/notesSlides/notesSlide14.xml><?xml version="1.0" encoding="utf-8"?>
 <p:notes xmlns:a="http://schemas.openxmlformats.org/drawingml/2006/main" xmlns:r="http://schemas.openxmlformats.org/officeDocument/2006/relationships" xmlns:p="http://schemas.openxmlformats.org/presentationml/2006/main">
   <p:cSld>
     <p:spTree>
@@ -1953,7 +1726,7 @@
                 <a:ea typeface="宋体" charset="-122"/>
               </a:rPr>
               <a:pPr eaLnBrk="1" hangingPunct="1"/>
-              <a:t>20</a:t>
+              <a:t>19</a:t>
             </a:fld>
             <a:endParaRPr lang="en-US" altLang="zh-CN" sz="1200" smtClean="0">
               <a:solidFill>
@@ -2030,7 +1803,7 @@
 </p:notes>
 </file>
 
-<file path=ppt/notesSlides/notesSlide16.xml><?xml version="1.0" encoding="utf-8"?>
+<file path=ppt/notesSlides/notesSlide15.xml><?xml version="1.0" encoding="utf-8"?>
 <p:notes xmlns:a="http://schemas.openxmlformats.org/drawingml/2006/main" xmlns:r="http://schemas.openxmlformats.org/officeDocument/2006/relationships" xmlns:p="http://schemas.openxmlformats.org/presentationml/2006/main">
   <p:cSld>
     <p:spTree>
@@ -2198,7 +1971,7 @@
                 <a:ea typeface="宋体" charset="-122"/>
               </a:rPr>
               <a:pPr eaLnBrk="1" hangingPunct="1"/>
-              <a:t>21</a:t>
+              <a:t>20</a:t>
             </a:fld>
             <a:endParaRPr lang="en-US" altLang="zh-CN" sz="1200" smtClean="0">
               <a:solidFill>
@@ -2275,7 +2048,7 @@
 </p:notes>
 </file>
 
-<file path=ppt/notesSlides/notesSlide17.xml><?xml version="1.0" encoding="utf-8"?>
+<file path=ppt/notesSlides/notesSlide16.xml><?xml version="1.0" encoding="utf-8"?>
 <p:notes xmlns:a="http://schemas.openxmlformats.org/drawingml/2006/main" xmlns:r="http://schemas.openxmlformats.org/officeDocument/2006/relationships" xmlns:p="http://schemas.openxmlformats.org/presentationml/2006/main">
   <p:cSld>
     <p:spTree>
@@ -2443,7 +2216,7 @@
                 <a:ea typeface="宋体" charset="-122"/>
               </a:rPr>
               <a:pPr eaLnBrk="1" hangingPunct="1"/>
-              <a:t>22</a:t>
+              <a:t>21</a:t>
             </a:fld>
             <a:endParaRPr lang="en-US" altLang="zh-CN" sz="1200" smtClean="0">
               <a:solidFill>
@@ -2520,7 +2293,7 @@
 </p:notes>
 </file>
 
-<file path=ppt/notesSlides/notesSlide18.xml><?xml version="1.0" encoding="utf-8"?>
+<file path=ppt/notesSlides/notesSlide17.xml><?xml version="1.0" encoding="utf-8"?>
 <p:notes xmlns:a="http://schemas.openxmlformats.org/drawingml/2006/main" xmlns:r="http://schemas.openxmlformats.org/officeDocument/2006/relationships" xmlns:p="http://schemas.openxmlformats.org/presentationml/2006/main">
   <p:cSld>
     <p:spTree>
@@ -2688,7 +2461,7 @@
                 <a:ea typeface="宋体" charset="-122"/>
               </a:rPr>
               <a:pPr eaLnBrk="1" hangingPunct="1"/>
-              <a:t>24</a:t>
+              <a:t>23</a:t>
             </a:fld>
             <a:endParaRPr lang="en-US" altLang="zh-CN" sz="1200" smtClean="0">
               <a:solidFill>
@@ -2765,7 +2538,7 @@
 </p:notes>
 </file>
 
-<file path=ppt/notesSlides/notesSlide19.xml><?xml version="1.0" encoding="utf-8"?>
+<file path=ppt/notesSlides/notesSlide18.xml><?xml version="1.0" encoding="utf-8"?>
 <p:notes xmlns:a="http://schemas.openxmlformats.org/drawingml/2006/main" xmlns:r="http://schemas.openxmlformats.org/officeDocument/2006/relationships" xmlns:p="http://schemas.openxmlformats.org/presentationml/2006/main">
   <p:cSld>
     <p:spTree>
@@ -2933,7 +2706,7 @@
                 <a:ea typeface="宋体" charset="-122"/>
               </a:rPr>
               <a:pPr eaLnBrk="1" hangingPunct="1"/>
-              <a:t>25</a:t>
+              <a:t>24</a:t>
             </a:fld>
             <a:endParaRPr lang="en-US" altLang="zh-CN" sz="1200" smtClean="0">
               <a:solidFill>
@@ -2961,6 +2734,248 @@
       <p:sp>
         <p:nvSpPr>
           <p:cNvPr id="66564" name="Rectangle 3"/>
+          <p:cNvSpPr>
+            <a:spLocks noGrp="1" noChangeArrowheads="1"/>
+          </p:cNvSpPr>
+          <p:nvPr>
+            <p:ph type="body" idx="1"/>
+          </p:nvPr>
+        </p:nvSpPr>
+        <p:spPr>
+          <a:noFill/>
+          <a:extLst>
+            <a:ext uri="{909E8E84-426E-40DD-AFC4-6F175D3DCCD1}">
+              <a14:hiddenFill xmlns:a14="http://schemas.microsoft.com/office/drawing/2010/main">
+                <a:solidFill>
+                  <a:srgbClr val="FFFFFF"/>
+                </a:solidFill>
+              </a14:hiddenFill>
+            </a:ext>
+            <a:ext uri="{91240B29-F687-4F45-9708-019B960494DF}">
+              <a14:hiddenLine xmlns:a14="http://schemas.microsoft.com/office/drawing/2010/main" w="9525">
+                <a:solidFill>
+                  <a:srgbClr val="000000"/>
+                </a:solidFill>
+                <a:miter lim="800000"/>
+                <a:headEnd/>
+                <a:tailEnd/>
+              </a14:hiddenLine>
+            </a:ext>
+          </a:extLst>
+        </p:spPr>
+        <p:txBody>
+          <a:bodyPr/>
+          <a:lstStyle/>
+          <a:p>
+            <a:pPr eaLnBrk="1" hangingPunct="1"/>
+            <a:endParaRPr lang="en-US" altLang="zh-CN"/>
+          </a:p>
+        </p:txBody>
+      </p:sp>
+    </p:spTree>
+  </p:cSld>
+  <p:clrMapOvr>
+    <a:masterClrMapping/>
+  </p:clrMapOvr>
+</p:notes>
+</file>
+
+<file path=ppt/notesSlides/notesSlide19.xml><?xml version="1.0" encoding="utf-8"?>
+<p:notes xmlns:a="http://schemas.openxmlformats.org/drawingml/2006/main" xmlns:r="http://schemas.openxmlformats.org/officeDocument/2006/relationships" xmlns:p="http://schemas.openxmlformats.org/presentationml/2006/main">
+  <p:cSld>
+    <p:spTree>
+      <p:nvGrpSpPr>
+        <p:cNvPr id="1" name=""/>
+        <p:cNvGrpSpPr/>
+        <p:nvPr/>
+      </p:nvGrpSpPr>
+      <p:grpSpPr>
+        <a:xfrm>
+          <a:off x="0" y="0"/>
+          <a:ext cx="0" cy="0"/>
+          <a:chOff x="0" y="0"/>
+          <a:chExt cx="0" cy="0"/>
+        </a:xfrm>
+      </p:grpSpPr>
+      <p:sp>
+        <p:nvSpPr>
+          <p:cNvPr id="67586" name="Rectangle 7"/>
+          <p:cNvSpPr>
+            <a:spLocks noGrp="1" noChangeArrowheads="1"/>
+          </p:cNvSpPr>
+          <p:nvPr>
+            <p:ph type="sldNum" sz="quarter" idx="5"/>
+          </p:nvPr>
+        </p:nvSpPr>
+        <p:spPr>
+          <a:noFill/>
+          <a:extLst>
+            <a:ext uri="{909E8E84-426E-40DD-AFC4-6F175D3DCCD1}">
+              <a14:hiddenFill xmlns:a14="http://schemas.microsoft.com/office/drawing/2010/main">
+                <a:solidFill>
+                  <a:srgbClr val="FFFFFF"/>
+                </a:solidFill>
+              </a14:hiddenFill>
+            </a:ext>
+            <a:ext uri="{91240B29-F687-4F45-9708-019B960494DF}">
+              <a14:hiddenLine xmlns:a14="http://schemas.microsoft.com/office/drawing/2010/main" w="9525">
+                <a:solidFill>
+                  <a:srgbClr val="000000"/>
+                </a:solidFill>
+                <a:miter lim="800000"/>
+                <a:headEnd/>
+                <a:tailEnd/>
+              </a14:hiddenLine>
+            </a:ext>
+          </a:extLst>
+        </p:spPr>
+        <p:txBody>
+          <a:bodyPr/>
+          <a:lstStyle>
+            <a:lvl1pPr eaLnBrk="0" hangingPunct="0">
+              <a:defRPr sz="3600">
+                <a:solidFill>
+                  <a:srgbClr val="000000"/>
+                </a:solidFill>
+                <a:latin typeface="Arial" charset="0"/>
+                <a:ea typeface="黑体" pitchFamily="2" charset="-122"/>
+              </a:defRPr>
+            </a:lvl1pPr>
+            <a:lvl2pPr marL="742950" indent="-285750" eaLnBrk="0" hangingPunct="0">
+              <a:defRPr sz="3600">
+                <a:solidFill>
+                  <a:srgbClr val="000000"/>
+                </a:solidFill>
+                <a:latin typeface="Arial" charset="0"/>
+                <a:ea typeface="黑体" pitchFamily="2" charset="-122"/>
+              </a:defRPr>
+            </a:lvl2pPr>
+            <a:lvl3pPr marL="1143000" indent="-228600" eaLnBrk="0" hangingPunct="0">
+              <a:defRPr sz="3600">
+                <a:solidFill>
+                  <a:srgbClr val="000000"/>
+                </a:solidFill>
+                <a:latin typeface="Arial" charset="0"/>
+                <a:ea typeface="黑体" pitchFamily="2" charset="-122"/>
+              </a:defRPr>
+            </a:lvl3pPr>
+            <a:lvl4pPr marL="1600200" indent="-228600" eaLnBrk="0" hangingPunct="0">
+              <a:defRPr sz="3600">
+                <a:solidFill>
+                  <a:srgbClr val="000000"/>
+                </a:solidFill>
+                <a:latin typeface="Arial" charset="0"/>
+                <a:ea typeface="黑体" pitchFamily="2" charset="-122"/>
+              </a:defRPr>
+            </a:lvl4pPr>
+            <a:lvl5pPr marL="2057400" indent="-228600" eaLnBrk="0" hangingPunct="0">
+              <a:defRPr sz="3600">
+                <a:solidFill>
+                  <a:srgbClr val="000000"/>
+                </a:solidFill>
+                <a:latin typeface="Arial" charset="0"/>
+                <a:ea typeface="黑体" pitchFamily="2" charset="-122"/>
+              </a:defRPr>
+            </a:lvl5pPr>
+            <a:lvl6pPr marL="2514600" indent="-228600" algn="ctr" eaLnBrk="0" fontAlgn="base" hangingPunct="0">
+              <a:spcBef>
+                <a:spcPct val="0"/>
+              </a:spcBef>
+              <a:spcAft>
+                <a:spcPct val="0"/>
+              </a:spcAft>
+              <a:defRPr sz="3600">
+                <a:solidFill>
+                  <a:srgbClr val="000000"/>
+                </a:solidFill>
+                <a:latin typeface="Arial" charset="0"/>
+                <a:ea typeface="黑体" pitchFamily="2" charset="-122"/>
+              </a:defRPr>
+            </a:lvl6pPr>
+            <a:lvl7pPr marL="2971800" indent="-228600" algn="ctr" eaLnBrk="0" fontAlgn="base" hangingPunct="0">
+              <a:spcBef>
+                <a:spcPct val="0"/>
+              </a:spcBef>
+              <a:spcAft>
+                <a:spcPct val="0"/>
+              </a:spcAft>
+              <a:defRPr sz="3600">
+                <a:solidFill>
+                  <a:srgbClr val="000000"/>
+                </a:solidFill>
+                <a:latin typeface="Arial" charset="0"/>
+                <a:ea typeface="黑体" pitchFamily="2" charset="-122"/>
+              </a:defRPr>
+            </a:lvl7pPr>
+            <a:lvl8pPr marL="3429000" indent="-228600" algn="ctr" eaLnBrk="0" fontAlgn="base" hangingPunct="0">
+              <a:spcBef>
+                <a:spcPct val="0"/>
+              </a:spcBef>
+              <a:spcAft>
+                <a:spcPct val="0"/>
+              </a:spcAft>
+              <a:defRPr sz="3600">
+                <a:solidFill>
+                  <a:srgbClr val="000000"/>
+                </a:solidFill>
+                <a:latin typeface="Arial" charset="0"/>
+                <a:ea typeface="黑体" pitchFamily="2" charset="-122"/>
+              </a:defRPr>
+            </a:lvl8pPr>
+            <a:lvl9pPr marL="3886200" indent="-228600" algn="ctr" eaLnBrk="0" fontAlgn="base" hangingPunct="0">
+              <a:spcBef>
+                <a:spcPct val="0"/>
+              </a:spcBef>
+              <a:spcAft>
+                <a:spcPct val="0"/>
+              </a:spcAft>
+              <a:defRPr sz="3600">
+                <a:solidFill>
+                  <a:srgbClr val="000000"/>
+                </a:solidFill>
+                <a:latin typeface="Arial" charset="0"/>
+                <a:ea typeface="黑体" pitchFamily="2" charset="-122"/>
+              </a:defRPr>
+            </a:lvl9pPr>
+          </a:lstStyle>
+          <a:p>
+            <a:pPr eaLnBrk="1" hangingPunct="1"/>
+            <a:fld id="{D49D53F0-6FD1-498F-9807-1A1398BDC9A1}" type="slidenum">
+              <a:rPr lang="en-US" altLang="zh-CN" sz="1200" smtClean="0">
+                <a:solidFill>
+                  <a:schemeClr val="tx1"/>
+                </a:solidFill>
+                <a:ea typeface="宋体" charset="-122"/>
+              </a:rPr>
+              <a:pPr eaLnBrk="1" hangingPunct="1"/>
+              <a:t>25</a:t>
+            </a:fld>
+            <a:endParaRPr lang="en-US" altLang="zh-CN" sz="1200" smtClean="0">
+              <a:solidFill>
+                <a:schemeClr val="tx1"/>
+              </a:solidFill>
+              <a:ea typeface="宋体" charset="-122"/>
+            </a:endParaRPr>
+          </a:p>
+        </p:txBody>
+      </p:sp>
+      <p:sp>
+        <p:nvSpPr>
+          <p:cNvPr id="67587" name="Rectangle 2"/>
+          <p:cNvSpPr>
+            <a:spLocks noGrp="1" noRot="1" noChangeAspect="1" noChangeArrowheads="1" noTextEdit="1"/>
+          </p:cNvSpPr>
+          <p:nvPr>
+            <p:ph type="sldImg"/>
+          </p:nvPr>
+        </p:nvSpPr>
+        <p:spPr>
+          <a:ln/>
+        </p:spPr>
+      </p:sp>
+      <p:sp>
+        <p:nvSpPr>
+          <p:cNvPr id="67588" name="Rectangle 3"/>
           <p:cNvSpPr>
             <a:spLocks noGrp="1" noChangeArrowheads="1"/>
           </p:cNvSpPr>
@@ -3110,248 +3125,6 @@
       </p:grpSpPr>
       <p:sp>
         <p:nvSpPr>
-          <p:cNvPr id="67586" name="Rectangle 7"/>
-          <p:cNvSpPr>
-            <a:spLocks noGrp="1" noChangeArrowheads="1"/>
-          </p:cNvSpPr>
-          <p:nvPr>
-            <p:ph type="sldNum" sz="quarter" idx="5"/>
-          </p:nvPr>
-        </p:nvSpPr>
-        <p:spPr>
-          <a:noFill/>
-          <a:extLst>
-            <a:ext uri="{909E8E84-426E-40DD-AFC4-6F175D3DCCD1}">
-              <a14:hiddenFill xmlns:a14="http://schemas.microsoft.com/office/drawing/2010/main">
-                <a:solidFill>
-                  <a:srgbClr val="FFFFFF"/>
-                </a:solidFill>
-              </a14:hiddenFill>
-            </a:ext>
-            <a:ext uri="{91240B29-F687-4F45-9708-019B960494DF}">
-              <a14:hiddenLine xmlns:a14="http://schemas.microsoft.com/office/drawing/2010/main" w="9525">
-                <a:solidFill>
-                  <a:srgbClr val="000000"/>
-                </a:solidFill>
-                <a:miter lim="800000"/>
-                <a:headEnd/>
-                <a:tailEnd/>
-              </a14:hiddenLine>
-            </a:ext>
-          </a:extLst>
-        </p:spPr>
-        <p:txBody>
-          <a:bodyPr/>
-          <a:lstStyle>
-            <a:lvl1pPr eaLnBrk="0" hangingPunct="0">
-              <a:defRPr sz="3600">
-                <a:solidFill>
-                  <a:srgbClr val="000000"/>
-                </a:solidFill>
-                <a:latin typeface="Arial" charset="0"/>
-                <a:ea typeface="黑体" pitchFamily="2" charset="-122"/>
-              </a:defRPr>
-            </a:lvl1pPr>
-            <a:lvl2pPr marL="742950" indent="-285750" eaLnBrk="0" hangingPunct="0">
-              <a:defRPr sz="3600">
-                <a:solidFill>
-                  <a:srgbClr val="000000"/>
-                </a:solidFill>
-                <a:latin typeface="Arial" charset="0"/>
-                <a:ea typeface="黑体" pitchFamily="2" charset="-122"/>
-              </a:defRPr>
-            </a:lvl2pPr>
-            <a:lvl3pPr marL="1143000" indent="-228600" eaLnBrk="0" hangingPunct="0">
-              <a:defRPr sz="3600">
-                <a:solidFill>
-                  <a:srgbClr val="000000"/>
-                </a:solidFill>
-                <a:latin typeface="Arial" charset="0"/>
-                <a:ea typeface="黑体" pitchFamily="2" charset="-122"/>
-              </a:defRPr>
-            </a:lvl3pPr>
-            <a:lvl4pPr marL="1600200" indent="-228600" eaLnBrk="0" hangingPunct="0">
-              <a:defRPr sz="3600">
-                <a:solidFill>
-                  <a:srgbClr val="000000"/>
-                </a:solidFill>
-                <a:latin typeface="Arial" charset="0"/>
-                <a:ea typeface="黑体" pitchFamily="2" charset="-122"/>
-              </a:defRPr>
-            </a:lvl4pPr>
-            <a:lvl5pPr marL="2057400" indent="-228600" eaLnBrk="0" hangingPunct="0">
-              <a:defRPr sz="3600">
-                <a:solidFill>
-                  <a:srgbClr val="000000"/>
-                </a:solidFill>
-                <a:latin typeface="Arial" charset="0"/>
-                <a:ea typeface="黑体" pitchFamily="2" charset="-122"/>
-              </a:defRPr>
-            </a:lvl5pPr>
-            <a:lvl6pPr marL="2514600" indent="-228600" algn="ctr" eaLnBrk="0" fontAlgn="base" hangingPunct="0">
-              <a:spcBef>
-                <a:spcPct val="0"/>
-              </a:spcBef>
-              <a:spcAft>
-                <a:spcPct val="0"/>
-              </a:spcAft>
-              <a:defRPr sz="3600">
-                <a:solidFill>
-                  <a:srgbClr val="000000"/>
-                </a:solidFill>
-                <a:latin typeface="Arial" charset="0"/>
-                <a:ea typeface="黑体" pitchFamily="2" charset="-122"/>
-              </a:defRPr>
-            </a:lvl6pPr>
-            <a:lvl7pPr marL="2971800" indent="-228600" algn="ctr" eaLnBrk="0" fontAlgn="base" hangingPunct="0">
-              <a:spcBef>
-                <a:spcPct val="0"/>
-              </a:spcBef>
-              <a:spcAft>
-                <a:spcPct val="0"/>
-              </a:spcAft>
-              <a:defRPr sz="3600">
-                <a:solidFill>
-                  <a:srgbClr val="000000"/>
-                </a:solidFill>
-                <a:latin typeface="Arial" charset="0"/>
-                <a:ea typeface="黑体" pitchFamily="2" charset="-122"/>
-              </a:defRPr>
-            </a:lvl7pPr>
-            <a:lvl8pPr marL="3429000" indent="-228600" algn="ctr" eaLnBrk="0" fontAlgn="base" hangingPunct="0">
-              <a:spcBef>
-                <a:spcPct val="0"/>
-              </a:spcBef>
-              <a:spcAft>
-                <a:spcPct val="0"/>
-              </a:spcAft>
-              <a:defRPr sz="3600">
-                <a:solidFill>
-                  <a:srgbClr val="000000"/>
-                </a:solidFill>
-                <a:latin typeface="Arial" charset="0"/>
-                <a:ea typeface="黑体" pitchFamily="2" charset="-122"/>
-              </a:defRPr>
-            </a:lvl8pPr>
-            <a:lvl9pPr marL="3886200" indent="-228600" algn="ctr" eaLnBrk="0" fontAlgn="base" hangingPunct="0">
-              <a:spcBef>
-                <a:spcPct val="0"/>
-              </a:spcBef>
-              <a:spcAft>
-                <a:spcPct val="0"/>
-              </a:spcAft>
-              <a:defRPr sz="3600">
-                <a:solidFill>
-                  <a:srgbClr val="000000"/>
-                </a:solidFill>
-                <a:latin typeface="Arial" charset="0"/>
-                <a:ea typeface="黑体" pitchFamily="2" charset="-122"/>
-              </a:defRPr>
-            </a:lvl9pPr>
-          </a:lstStyle>
-          <a:p>
-            <a:pPr eaLnBrk="1" hangingPunct="1"/>
-            <a:fld id="{D49D53F0-6FD1-498F-9807-1A1398BDC9A1}" type="slidenum">
-              <a:rPr lang="en-US" altLang="zh-CN" sz="1200" smtClean="0">
-                <a:solidFill>
-                  <a:schemeClr val="tx1"/>
-                </a:solidFill>
-                <a:ea typeface="宋体" charset="-122"/>
-              </a:rPr>
-              <a:pPr eaLnBrk="1" hangingPunct="1"/>
-              <a:t>26</a:t>
-            </a:fld>
-            <a:endParaRPr lang="en-US" altLang="zh-CN" sz="1200" smtClean="0">
-              <a:solidFill>
-                <a:schemeClr val="tx1"/>
-              </a:solidFill>
-              <a:ea typeface="宋体" charset="-122"/>
-            </a:endParaRPr>
-          </a:p>
-        </p:txBody>
-      </p:sp>
-      <p:sp>
-        <p:nvSpPr>
-          <p:cNvPr id="67587" name="Rectangle 2"/>
-          <p:cNvSpPr>
-            <a:spLocks noGrp="1" noRot="1" noChangeAspect="1" noChangeArrowheads="1" noTextEdit="1"/>
-          </p:cNvSpPr>
-          <p:nvPr>
-            <p:ph type="sldImg"/>
-          </p:nvPr>
-        </p:nvSpPr>
-        <p:spPr>
-          <a:ln/>
-        </p:spPr>
-      </p:sp>
-      <p:sp>
-        <p:nvSpPr>
-          <p:cNvPr id="67588" name="Rectangle 3"/>
-          <p:cNvSpPr>
-            <a:spLocks noGrp="1" noChangeArrowheads="1"/>
-          </p:cNvSpPr>
-          <p:nvPr>
-            <p:ph type="body" idx="1"/>
-          </p:nvPr>
-        </p:nvSpPr>
-        <p:spPr>
-          <a:noFill/>
-          <a:extLst>
-            <a:ext uri="{909E8E84-426E-40DD-AFC4-6F175D3DCCD1}">
-              <a14:hiddenFill xmlns:a14="http://schemas.microsoft.com/office/drawing/2010/main">
-                <a:solidFill>
-                  <a:srgbClr val="FFFFFF"/>
-                </a:solidFill>
-              </a14:hiddenFill>
-            </a:ext>
-            <a:ext uri="{91240B29-F687-4F45-9708-019B960494DF}">
-              <a14:hiddenLine xmlns:a14="http://schemas.microsoft.com/office/drawing/2010/main" w="9525">
-                <a:solidFill>
-                  <a:srgbClr val="000000"/>
-                </a:solidFill>
-                <a:miter lim="800000"/>
-                <a:headEnd/>
-                <a:tailEnd/>
-              </a14:hiddenLine>
-            </a:ext>
-          </a:extLst>
-        </p:spPr>
-        <p:txBody>
-          <a:bodyPr/>
-          <a:lstStyle/>
-          <a:p>
-            <a:pPr eaLnBrk="1" hangingPunct="1"/>
-            <a:endParaRPr lang="en-US" altLang="zh-CN"/>
-          </a:p>
-        </p:txBody>
-      </p:sp>
-    </p:spTree>
-  </p:cSld>
-  <p:clrMapOvr>
-    <a:masterClrMapping/>
-  </p:clrMapOvr>
-</p:notes>
-</file>
-
-<file path=ppt/notesSlides/notesSlide21.xml><?xml version="1.0" encoding="utf-8"?>
-<p:notes xmlns:a="http://schemas.openxmlformats.org/drawingml/2006/main" xmlns:r="http://schemas.openxmlformats.org/officeDocument/2006/relationships" xmlns:p="http://schemas.openxmlformats.org/presentationml/2006/main">
-  <p:cSld>
-    <p:spTree>
-      <p:nvGrpSpPr>
-        <p:cNvPr id="1" name=""/>
-        <p:cNvGrpSpPr/>
-        <p:nvPr/>
-      </p:nvGrpSpPr>
-      <p:grpSpPr>
-        <a:xfrm>
-          <a:off x="0" y="0"/>
-          <a:ext cx="0" cy="0"/>
-          <a:chOff x="0" y="0"/>
-          <a:chExt cx="0" cy="0"/>
-        </a:xfrm>
-      </p:grpSpPr>
-      <p:sp>
-        <p:nvSpPr>
           <p:cNvPr id="68610" name="Rectangle 7"/>
           <p:cNvSpPr>
             <a:spLocks noGrp="1" noChangeArrowheads="1"/>
@@ -3501,7 +3274,7 @@
                 <a:ea typeface="宋体" charset="-122"/>
               </a:rPr>
               <a:pPr eaLnBrk="1" hangingPunct="1"/>
-              <a:t>27</a:t>
+              <a:t>26</a:t>
             </a:fld>
             <a:endParaRPr lang="en-US" altLang="zh-CN" sz="1200" smtClean="0">
               <a:solidFill>
@@ -3578,7 +3351,7 @@
 </p:notes>
 </file>
 
-<file path=ppt/notesSlides/notesSlide22.xml><?xml version="1.0" encoding="utf-8"?>
+<file path=ppt/notesSlides/notesSlide21.xml><?xml version="1.0" encoding="utf-8"?>
 <p:notes xmlns:a="http://schemas.openxmlformats.org/drawingml/2006/main" xmlns:r="http://schemas.openxmlformats.org/officeDocument/2006/relationships" xmlns:p="http://schemas.openxmlformats.org/presentationml/2006/main">
   <p:cSld>
     <p:spTree>
@@ -3746,7 +3519,7 @@
                 <a:ea typeface="宋体" charset="-122"/>
               </a:rPr>
               <a:pPr eaLnBrk="1" hangingPunct="1"/>
-              <a:t>28</a:t>
+              <a:t>27</a:t>
             </a:fld>
             <a:endParaRPr lang="en-US" altLang="zh-CN" sz="1200" smtClean="0">
               <a:solidFill>
@@ -3823,7 +3596,7 @@
 </p:notes>
 </file>
 
-<file path=ppt/notesSlides/notesSlide23.xml><?xml version="1.0" encoding="utf-8"?>
+<file path=ppt/notesSlides/notesSlide22.xml><?xml version="1.0" encoding="utf-8"?>
 <p:notes xmlns:a="http://schemas.openxmlformats.org/drawingml/2006/main" xmlns:r="http://schemas.openxmlformats.org/officeDocument/2006/relationships" xmlns:p="http://schemas.openxmlformats.org/presentationml/2006/main">
   <p:cSld>
     <p:spTree>
@@ -3991,7 +3764,7 @@
                 <a:ea typeface="宋体" charset="-122"/>
               </a:rPr>
               <a:pPr eaLnBrk="1" hangingPunct="1"/>
-              <a:t>29</a:t>
+              <a:t>28</a:t>
             </a:fld>
             <a:endParaRPr lang="en-US" altLang="zh-CN" sz="1200" smtClean="0">
               <a:solidFill>
@@ -4070,7 +3843,7 @@
 </p:notes>
 </file>
 
-<file path=ppt/notesSlides/notesSlide24.xml><?xml version="1.0" encoding="utf-8"?>
+<file path=ppt/notesSlides/notesSlide23.xml><?xml version="1.0" encoding="utf-8"?>
 <p:notes xmlns:a="http://schemas.openxmlformats.org/drawingml/2006/main" xmlns:r="http://schemas.openxmlformats.org/officeDocument/2006/relationships" xmlns:p="http://schemas.openxmlformats.org/presentationml/2006/main">
   <p:cSld>
     <p:spTree>
@@ -4238,7 +4011,7 @@
                 <a:ea typeface="宋体" charset="-122"/>
               </a:rPr>
               <a:pPr eaLnBrk="1" hangingPunct="1"/>
-              <a:t>30</a:t>
+              <a:t>29</a:t>
             </a:fld>
             <a:endParaRPr lang="en-US" altLang="zh-CN" sz="1200" smtClean="0">
               <a:solidFill>
@@ -4502,101 +4275,6 @@
       </p:grpSpPr>
       <p:sp>
         <p:nvSpPr>
-          <p:cNvPr id="2" name="幻灯片图像占位符 1"/>
-          <p:cNvSpPr>
-            <a:spLocks noGrp="1" noRot="1" noChangeAspect="1"/>
-          </p:cNvSpPr>
-          <p:nvPr>
-            <p:ph type="sldImg"/>
-          </p:nvPr>
-        </p:nvSpPr>
-        <p:spPr/>
-      </p:sp>
-      <p:sp>
-        <p:nvSpPr>
-          <p:cNvPr id="3" name="备注占位符 2"/>
-          <p:cNvSpPr>
-            <a:spLocks noGrp="1"/>
-          </p:cNvSpPr>
-          <p:nvPr>
-            <p:ph type="body" idx="1"/>
-          </p:nvPr>
-        </p:nvSpPr>
-        <p:spPr/>
-        <p:txBody>
-          <a:bodyPr/>
-          <a:lstStyle/>
-          <a:p>
-            <a:endParaRPr lang="en-US" altLang="zh-CN" smtClean="0"/>
-          </a:p>
-          <a:p>
-            <a:r>
-              <a:rPr lang="zh-CN" altLang="en-US" smtClean="0"/>
-              <a:t>分区</a:t>
-            </a:r>
-            <a:r>
-              <a:rPr lang="zh-CN" altLang="en-US" dirty="0" smtClean="0"/>
-              <a:t>中数据快的大小</a:t>
-            </a:r>
-            <a:endParaRPr lang="zh-CN" altLang="en-US" dirty="0"/>
-          </a:p>
-        </p:txBody>
-      </p:sp>
-      <p:sp>
-        <p:nvSpPr>
-          <p:cNvPr id="4" name="灯片编号占位符 3"/>
-          <p:cNvSpPr>
-            <a:spLocks noGrp="1"/>
-          </p:cNvSpPr>
-          <p:nvPr>
-            <p:ph type="sldNum" sz="quarter" idx="10"/>
-          </p:nvPr>
-        </p:nvSpPr>
-        <p:spPr/>
-        <p:txBody>
-          <a:bodyPr/>
-          <a:lstStyle/>
-          <a:p>
-            <a:fld id="{46A49F1E-FCFC-4294-BD1A-5F44A2F8C2ED}" type="slidenum">
-              <a:rPr lang="zh-CN" altLang="en-US" smtClean="0"/>
-              <a:t>7</a:t>
-            </a:fld>
-            <a:endParaRPr lang="zh-CN" altLang="en-US"/>
-          </a:p>
-        </p:txBody>
-      </p:sp>
-    </p:spTree>
-    <p:extLst>
-      <p:ext uri="{BB962C8B-B14F-4D97-AF65-F5344CB8AC3E}">
-        <p14:creationId xmlns:p14="http://schemas.microsoft.com/office/powerpoint/2010/main" val="3432687947"/>
-      </p:ext>
-    </p:extLst>
-  </p:cSld>
-  <p:clrMapOvr>
-    <a:masterClrMapping/>
-  </p:clrMapOvr>
-</p:notes>
-</file>
-
-<file path=ppt/notesSlides/notesSlide6.xml><?xml version="1.0" encoding="utf-8"?>
-<p:notes xmlns:a="http://schemas.openxmlformats.org/drawingml/2006/main" xmlns:r="http://schemas.openxmlformats.org/officeDocument/2006/relationships" xmlns:p="http://schemas.openxmlformats.org/presentationml/2006/main">
-  <p:cSld>
-    <p:spTree>
-      <p:nvGrpSpPr>
-        <p:cNvPr id="1" name=""/>
-        <p:cNvGrpSpPr/>
-        <p:nvPr/>
-      </p:nvGrpSpPr>
-      <p:grpSpPr>
-        <a:xfrm>
-          <a:off x="0" y="0"/>
-          <a:ext cx="0" cy="0"/>
-          <a:chOff x="0" y="0"/>
-          <a:chExt cx="0" cy="0"/>
-        </a:xfrm>
-      </p:grpSpPr>
-      <p:sp>
-        <p:nvSpPr>
           <p:cNvPr id="53250" name="Rectangle 7"/>
           <p:cNvSpPr>
             <a:spLocks noGrp="1" noChangeArrowheads="1"/>
@@ -4746,7 +4424,7 @@
                 <a:ea typeface="宋体" charset="-122"/>
               </a:rPr>
               <a:pPr eaLnBrk="1" hangingPunct="1"/>
-              <a:t>9</a:t>
+              <a:t>8</a:t>
             </a:fld>
             <a:endParaRPr lang="en-US" altLang="zh-CN" sz="1200" smtClean="0">
               <a:solidFill>
@@ -4820,7 +4498,7 @@
 </p:notes>
 </file>
 
-<file path=ppt/notesSlides/notesSlide7.xml><?xml version="1.0" encoding="utf-8"?>
+<file path=ppt/notesSlides/notesSlide6.xml><?xml version="1.0" encoding="utf-8"?>
 <p:notes xmlns:a="http://schemas.openxmlformats.org/drawingml/2006/main" xmlns:r="http://schemas.openxmlformats.org/officeDocument/2006/relationships" xmlns:p="http://schemas.openxmlformats.org/presentationml/2006/main">
   <p:cSld>
     <p:spTree>
@@ -4988,7 +4666,7 @@
                 <a:ea typeface="宋体" charset="-122"/>
               </a:rPr>
               <a:pPr eaLnBrk="1" hangingPunct="1"/>
-              <a:t>10</a:t>
+              <a:t>9</a:t>
             </a:fld>
             <a:endParaRPr lang="en-US" altLang="zh-CN" sz="1200" smtClean="0">
               <a:solidFill>
@@ -5065,7 +4743,7 @@
 </p:notes>
 </file>
 
-<file path=ppt/notesSlides/notesSlide8.xml><?xml version="1.0" encoding="utf-8"?>
+<file path=ppt/notesSlides/notesSlide7.xml><?xml version="1.0" encoding="utf-8"?>
 <p:notes xmlns:a="http://schemas.openxmlformats.org/drawingml/2006/main" xmlns:r="http://schemas.openxmlformats.org/officeDocument/2006/relationships" xmlns:p="http://schemas.openxmlformats.org/presentationml/2006/main">
   <p:cSld>
     <p:spTree>
@@ -5233,7 +4911,7 @@
                 <a:ea typeface="宋体" charset="-122"/>
               </a:rPr>
               <a:pPr eaLnBrk="1" hangingPunct="1"/>
-              <a:t>11</a:t>
+              <a:t>10</a:t>
             </a:fld>
             <a:endParaRPr lang="en-US" altLang="zh-CN" sz="1200" smtClean="0">
               <a:solidFill>
@@ -5310,7 +4988,7 @@
 </p:notes>
 </file>
 
-<file path=ppt/notesSlides/notesSlide9.xml><?xml version="1.0" encoding="utf-8"?>
+<file path=ppt/notesSlides/notesSlide8.xml><?xml version="1.0" encoding="utf-8"?>
 <p:notes xmlns:a="http://schemas.openxmlformats.org/drawingml/2006/main" xmlns:r="http://schemas.openxmlformats.org/officeDocument/2006/relationships" xmlns:p="http://schemas.openxmlformats.org/presentationml/2006/main">
   <p:cSld>
     <p:spTree>
@@ -5478,7 +5156,7 @@
                 <a:ea typeface="宋体" charset="-122"/>
               </a:rPr>
               <a:pPr eaLnBrk="1" hangingPunct="1"/>
-              <a:t>12</a:t>
+              <a:t>11</a:t>
             </a:fld>
             <a:endParaRPr lang="en-US" altLang="zh-CN" sz="1200" smtClean="0">
               <a:solidFill>
@@ -5534,6 +5212,232 @@
               </a14:hiddenLine>
             </a:ext>
           </a:extLst>
+        </p:spPr>
+        <p:txBody>
+          <a:bodyPr/>
+          <a:lstStyle/>
+          <a:p>
+            <a:pPr eaLnBrk="1" hangingPunct="1">
+              <a:buFont typeface="Wingdings" pitchFamily="2" charset="2"/>
+              <a:buChar char="l"/>
+            </a:pPr>
+            <a:endParaRPr lang="zh-CN" altLang="en-US"/>
+          </a:p>
+        </p:txBody>
+      </p:sp>
+    </p:spTree>
+  </p:cSld>
+  <p:clrMapOvr>
+    <a:masterClrMapping/>
+  </p:clrMapOvr>
+</p:notes>
+</file>
+
+<file path=ppt/notesSlides/notesSlide9.xml><?xml version="1.0" encoding="utf-8"?>
+<p:notes xmlns:a="http://schemas.openxmlformats.org/drawingml/2006/main" xmlns:r="http://schemas.openxmlformats.org/officeDocument/2006/relationships" xmlns:p="http://schemas.openxmlformats.org/presentationml/2006/main">
+  <p:cSld>
+    <p:spTree>
+      <p:nvGrpSpPr>
+        <p:cNvPr id="1" name=""/>
+        <p:cNvGrpSpPr/>
+        <p:nvPr/>
+      </p:nvGrpSpPr>
+      <p:grpSpPr>
+        <a:xfrm>
+          <a:off x="0" y="0"/>
+          <a:ext cx="0" cy="0"/>
+          <a:chOff x="0" y="0"/>
+          <a:chExt cx="0" cy="0"/>
+        </a:xfrm>
+      </p:grpSpPr>
+      <p:sp>
+        <p:nvSpPr>
+          <p:cNvPr id="57346" name="Rectangle 7"/>
+          <p:cNvSpPr>
+            <a:spLocks noGrp="1" noChangeArrowheads="1"/>
+          </p:cNvSpPr>
+          <p:nvPr>
+            <p:ph type="sldNum" sz="quarter" idx="5"/>
+          </p:nvPr>
+        </p:nvSpPr>
+        <p:spPr>
+          <a:noFill/>
+          <a:extLst>
+            <a:ext uri="{909E8E84-426E-40DD-AFC4-6F175D3DCCD1}">
+              <a14:hiddenFill xmlns:a14="http://schemas.microsoft.com/office/drawing/2010/main">
+                <a:solidFill>
+                  <a:srgbClr val="FFFFFF"/>
+                </a:solidFill>
+              </a14:hiddenFill>
+            </a:ext>
+            <a:ext uri="{91240B29-F687-4F45-9708-019B960494DF}">
+              <a14:hiddenLine xmlns:a14="http://schemas.microsoft.com/office/drawing/2010/main" w="9525">
+                <a:solidFill>
+                  <a:srgbClr val="000000"/>
+                </a:solidFill>
+                <a:miter lim="800000"/>
+                <a:headEnd/>
+                <a:tailEnd/>
+              </a14:hiddenLine>
+            </a:ext>
+          </a:extLst>
+        </p:spPr>
+        <p:txBody>
+          <a:bodyPr/>
+          <a:lstStyle>
+            <a:lvl1pPr eaLnBrk="0" hangingPunct="0">
+              <a:defRPr sz="3600">
+                <a:solidFill>
+                  <a:srgbClr val="000000"/>
+                </a:solidFill>
+                <a:latin typeface="Arial" charset="0"/>
+                <a:ea typeface="黑体" pitchFamily="2" charset="-122"/>
+              </a:defRPr>
+            </a:lvl1pPr>
+            <a:lvl2pPr marL="742950" indent="-285750" eaLnBrk="0" hangingPunct="0">
+              <a:defRPr sz="3600">
+                <a:solidFill>
+                  <a:srgbClr val="000000"/>
+                </a:solidFill>
+                <a:latin typeface="Arial" charset="0"/>
+                <a:ea typeface="黑体" pitchFamily="2" charset="-122"/>
+              </a:defRPr>
+            </a:lvl2pPr>
+            <a:lvl3pPr marL="1143000" indent="-228600" eaLnBrk="0" hangingPunct="0">
+              <a:defRPr sz="3600">
+                <a:solidFill>
+                  <a:srgbClr val="000000"/>
+                </a:solidFill>
+                <a:latin typeface="Arial" charset="0"/>
+                <a:ea typeface="黑体" pitchFamily="2" charset="-122"/>
+              </a:defRPr>
+            </a:lvl3pPr>
+            <a:lvl4pPr marL="1600200" indent="-228600" eaLnBrk="0" hangingPunct="0">
+              <a:defRPr sz="3600">
+                <a:solidFill>
+                  <a:srgbClr val="000000"/>
+                </a:solidFill>
+                <a:latin typeface="Arial" charset="0"/>
+                <a:ea typeface="黑体" pitchFamily="2" charset="-122"/>
+              </a:defRPr>
+            </a:lvl4pPr>
+            <a:lvl5pPr marL="2057400" indent="-228600" eaLnBrk="0" hangingPunct="0">
+              <a:defRPr sz="3600">
+                <a:solidFill>
+                  <a:srgbClr val="000000"/>
+                </a:solidFill>
+                <a:latin typeface="Arial" charset="0"/>
+                <a:ea typeface="黑体" pitchFamily="2" charset="-122"/>
+              </a:defRPr>
+            </a:lvl5pPr>
+            <a:lvl6pPr marL="2514600" indent="-228600" algn="ctr" eaLnBrk="0" fontAlgn="base" hangingPunct="0">
+              <a:spcBef>
+                <a:spcPct val="0"/>
+              </a:spcBef>
+              <a:spcAft>
+                <a:spcPct val="0"/>
+              </a:spcAft>
+              <a:defRPr sz="3600">
+                <a:solidFill>
+                  <a:srgbClr val="000000"/>
+                </a:solidFill>
+                <a:latin typeface="Arial" charset="0"/>
+                <a:ea typeface="黑体" pitchFamily="2" charset="-122"/>
+              </a:defRPr>
+            </a:lvl6pPr>
+            <a:lvl7pPr marL="2971800" indent="-228600" algn="ctr" eaLnBrk="0" fontAlgn="base" hangingPunct="0">
+              <a:spcBef>
+                <a:spcPct val="0"/>
+              </a:spcBef>
+              <a:spcAft>
+                <a:spcPct val="0"/>
+              </a:spcAft>
+              <a:defRPr sz="3600">
+                <a:solidFill>
+                  <a:srgbClr val="000000"/>
+                </a:solidFill>
+                <a:latin typeface="Arial" charset="0"/>
+                <a:ea typeface="黑体" pitchFamily="2" charset="-122"/>
+              </a:defRPr>
+            </a:lvl7pPr>
+            <a:lvl8pPr marL="3429000" indent="-228600" algn="ctr" eaLnBrk="0" fontAlgn="base" hangingPunct="0">
+              <a:spcBef>
+                <a:spcPct val="0"/>
+              </a:spcBef>
+              <a:spcAft>
+                <a:spcPct val="0"/>
+              </a:spcAft>
+              <a:defRPr sz="3600">
+                <a:solidFill>
+                  <a:srgbClr val="000000"/>
+                </a:solidFill>
+                <a:latin typeface="Arial" charset="0"/>
+                <a:ea typeface="黑体" pitchFamily="2" charset="-122"/>
+              </a:defRPr>
+            </a:lvl8pPr>
+            <a:lvl9pPr marL="3886200" indent="-228600" algn="ctr" eaLnBrk="0" fontAlgn="base" hangingPunct="0">
+              <a:spcBef>
+                <a:spcPct val="0"/>
+              </a:spcBef>
+              <a:spcAft>
+                <a:spcPct val="0"/>
+              </a:spcAft>
+              <a:defRPr sz="3600">
+                <a:solidFill>
+                  <a:srgbClr val="000000"/>
+                </a:solidFill>
+                <a:latin typeface="Arial" charset="0"/>
+                <a:ea typeface="黑体" pitchFamily="2" charset="-122"/>
+              </a:defRPr>
+            </a:lvl9pPr>
+          </a:lstStyle>
+          <a:p>
+            <a:pPr eaLnBrk="1" hangingPunct="1"/>
+            <a:fld id="{2D806859-714F-4E91-83B8-47D0E0BB87EE}" type="slidenum">
+              <a:rPr lang="en-US" altLang="zh-CN" sz="1200" smtClean="0">
+                <a:solidFill>
+                  <a:schemeClr val="tx1"/>
+                </a:solidFill>
+                <a:ea typeface="宋体" charset="-122"/>
+              </a:rPr>
+              <a:pPr eaLnBrk="1" hangingPunct="1"/>
+              <a:t>12</a:t>
+            </a:fld>
+            <a:endParaRPr lang="en-US" altLang="zh-CN" sz="1200" smtClean="0">
+              <a:solidFill>
+                <a:schemeClr val="tx1"/>
+              </a:solidFill>
+              <a:ea typeface="宋体" charset="-122"/>
+            </a:endParaRPr>
+          </a:p>
+        </p:txBody>
+      </p:sp>
+      <p:sp>
+        <p:nvSpPr>
+          <p:cNvPr id="57347" name="Rectangle 2"/>
+          <p:cNvSpPr>
+            <a:spLocks noGrp="1" noRot="1" noChangeAspect="1" noChangeArrowheads="1" noTextEdit="1"/>
+          </p:cNvSpPr>
+          <p:nvPr>
+            <p:ph type="sldImg"/>
+          </p:nvPr>
+        </p:nvSpPr>
+        <p:spPr>
+          <a:ln/>
+        </p:spPr>
+      </p:sp>
+      <p:sp>
+        <p:nvSpPr>
+          <p:cNvPr id="57348" name="Rectangle 3"/>
+          <p:cNvSpPr>
+            <a:spLocks noGrp="1" noChangeArrowheads="1"/>
+          </p:cNvSpPr>
+          <p:nvPr>
+            <p:ph type="body" idx="1"/>
+          </p:nvPr>
+        </p:nvSpPr>
+        <p:spPr>
+          <a:noFill/>
         </p:spPr>
         <p:txBody>
           <a:bodyPr/>
@@ -5752,7 +5656,7 @@
             <a:fld id="{B61BEF0D-F0BB-DE4B-95CE-6DB70DBA9567}" type="datetimeFigureOut">
               <a:rPr lang="en-US" dirty="0"/>
               <a:pPr/>
-              <a:t>8/31/2017</a:t>
+              <a:t>9/7/2017</a:t>
             </a:fld>
             <a:endParaRPr lang="en-US" dirty="0"/>
           </a:p>
@@ -5977,7 +5881,7 @@
             <a:fld id="{B61BEF0D-F0BB-DE4B-95CE-6DB70DBA9567}" type="datetimeFigureOut">
               <a:rPr lang="en-US" dirty="0"/>
               <a:pPr/>
-              <a:t>8/31/2017</a:t>
+              <a:t>9/7/2017</a:t>
             </a:fld>
             <a:endParaRPr lang="en-US" dirty="0"/>
           </a:p>
@@ -6331,7 +6235,7 @@
             <a:fld id="{B61BEF0D-F0BB-DE4B-95CE-6DB70DBA9567}" type="datetimeFigureOut">
               <a:rPr lang="en-US" dirty="0"/>
               <a:pPr/>
-              <a:t>8/31/2017</a:t>
+              <a:t>9/7/2017</a:t>
             </a:fld>
             <a:endParaRPr lang="en-US" dirty="0"/>
           </a:p>
@@ -6748,7 +6652,7 @@
             <a:fld id="{B61BEF0D-F0BB-DE4B-95CE-6DB70DBA9567}" type="datetimeFigureOut">
               <a:rPr lang="en-US" dirty="0"/>
               <a:pPr/>
-              <a:t>8/31/2017</a:t>
+              <a:t>9/7/2017</a:t>
             </a:fld>
             <a:endParaRPr lang="en-US" dirty="0"/>
           </a:p>
@@ -7100,7 +7004,7 @@
             <a:fld id="{B61BEF0D-F0BB-DE4B-95CE-6DB70DBA9567}" type="datetimeFigureOut">
               <a:rPr lang="en-US" dirty="0"/>
               <a:pPr/>
-              <a:t>8/31/2017</a:t>
+              <a:t>9/7/2017</a:t>
             </a:fld>
             <a:endParaRPr lang="en-US" dirty="0"/>
           </a:p>
@@ -7436,7 +7340,7 @@
             <a:fld id="{B61BEF0D-F0BB-DE4B-95CE-6DB70DBA9567}" type="datetimeFigureOut">
               <a:rPr lang="en-US" dirty="0"/>
               <a:pPr/>
-              <a:t>8/31/2017</a:t>
+              <a:t>9/7/2017</a:t>
             </a:fld>
             <a:endParaRPr lang="en-US" dirty="0"/>
           </a:p>
@@ -7848,7 +7752,7 @@
             <a:fld id="{B61BEF0D-F0BB-DE4B-95CE-6DB70DBA9567}" type="datetimeFigureOut">
               <a:rPr lang="en-US" dirty="0"/>
               <a:pPr/>
-              <a:t>8/31/2017</a:t>
+              <a:t>9/7/2017</a:t>
             </a:fld>
             <a:endParaRPr lang="en-US" dirty="0"/>
           </a:p>
@@ -8121,7 +8025,7 @@
             <a:fld id="{B61BEF0D-F0BB-DE4B-95CE-6DB70DBA9567}" type="datetimeFigureOut">
               <a:rPr lang="en-US" dirty="0"/>
               <a:pPr/>
-              <a:t>8/31/2017</a:t>
+              <a:t>9/7/2017</a:t>
             </a:fld>
             <a:endParaRPr lang="en-US" dirty="0"/>
           </a:p>
@@ -8404,7 +8308,7 @@
             <a:fld id="{B61BEF0D-F0BB-DE4B-95CE-6DB70DBA9567}" type="datetimeFigureOut">
               <a:rPr lang="en-US" dirty="0"/>
               <a:pPr/>
-              <a:t>8/31/2017</a:t>
+              <a:t>9/7/2017</a:t>
             </a:fld>
             <a:endParaRPr lang="en-US" dirty="0"/>
           </a:p>
@@ -8990,7 +8894,7 @@
             <a:fld id="{B61BEF0D-F0BB-DE4B-95CE-6DB70DBA9567}" type="datetimeFigureOut">
               <a:rPr lang="en-US" dirty="0"/>
               <a:pPr/>
-              <a:t>8/31/2017</a:t>
+              <a:t>9/7/2017</a:t>
             </a:fld>
             <a:endParaRPr lang="en-US" dirty="0"/>
           </a:p>
@@ -9329,7 +9233,7 @@
             <a:fld id="{B61BEF0D-F0BB-DE4B-95CE-6DB70DBA9567}" type="datetimeFigureOut">
               <a:rPr lang="en-US" dirty="0"/>
               <a:pPr/>
-              <a:t>8/31/2017</a:t>
+              <a:t>9/7/2017</a:t>
             </a:fld>
             <a:endParaRPr lang="en-US" dirty="0"/>
           </a:p>
@@ -9802,7 +9706,7 @@
             <a:fld id="{B61BEF0D-F0BB-DE4B-95CE-6DB70DBA9567}" type="datetimeFigureOut">
               <a:rPr lang="en-US" dirty="0"/>
               <a:pPr/>
-              <a:t>8/31/2017</a:t>
+              <a:t>9/7/2017</a:t>
             </a:fld>
             <a:endParaRPr lang="en-US" dirty="0"/>
           </a:p>
@@ -10023,7 +9927,7 @@
             <a:fld id="{B61BEF0D-F0BB-DE4B-95CE-6DB70DBA9567}" type="datetimeFigureOut">
               <a:rPr lang="en-US" dirty="0"/>
               <a:pPr/>
-              <a:t>8/31/2017</a:t>
+              <a:t>9/7/2017</a:t>
             </a:fld>
             <a:endParaRPr lang="en-US" dirty="0"/>
           </a:p>
@@ -10221,7 +10125,7 @@
             <a:fld id="{B61BEF0D-F0BB-DE4B-95CE-6DB70DBA9567}" type="datetimeFigureOut">
               <a:rPr lang="en-US" dirty="0"/>
               <a:pPr/>
-              <a:t>8/31/2017</a:t>
+              <a:t>9/7/2017</a:t>
             </a:fld>
             <a:endParaRPr lang="en-US" dirty="0"/>
           </a:p>
@@ -10575,7 +10479,7 @@
             <a:fld id="{B61BEF0D-F0BB-DE4B-95CE-6DB70DBA9567}" type="datetimeFigureOut">
               <a:rPr lang="en-US" dirty="0"/>
               <a:pPr/>
-              <a:t>8/31/2017</a:t>
+              <a:t>9/7/2017</a:t>
             </a:fld>
             <a:endParaRPr lang="en-US" dirty="0"/>
           </a:p>
@@ -13210,394 +13114,6 @@
       </p:grpSpPr>
       <p:sp>
         <p:nvSpPr>
-          <p:cNvPr id="14338" name="灯片编号占位符 3"/>
-          <p:cNvSpPr>
-            <a:spLocks noGrp="1"/>
-          </p:cNvSpPr>
-          <p:nvPr>
-            <p:ph type="sldNum" sz="quarter" idx="4294967295"/>
-          </p:nvPr>
-        </p:nvSpPr>
-        <p:spPr bwMode="auto">
-          <a:xfrm>
-            <a:off x="8534401" y="6356351"/>
-            <a:ext cx="3052233" cy="365125"/>
-          </a:xfrm>
-          <a:prstGeom prst="rect">
-            <a:avLst/>
-          </a:prstGeom>
-          <a:noFill/>
-          <a:extLst>
-            <a:ext uri="{909E8E84-426E-40DD-AFC4-6F175D3DCCD1}">
-              <a14:hiddenFill xmlns:a14="http://schemas.microsoft.com/office/drawing/2010/main">
-                <a:solidFill>
-                  <a:srgbClr val="FFFFFF"/>
-                </a:solidFill>
-              </a14:hiddenFill>
-            </a:ext>
-            <a:ext uri="{91240B29-F687-4F45-9708-019B960494DF}">
-              <a14:hiddenLine xmlns:a14="http://schemas.microsoft.com/office/drawing/2010/main" w="9525">
-                <a:solidFill>
-                  <a:srgbClr val="000000"/>
-                </a:solidFill>
-                <a:miter lim="800000"/>
-                <a:headEnd/>
-                <a:tailEnd/>
-              </a14:hiddenLine>
-            </a:ext>
-          </a:extLst>
-        </p:spPr>
-        <p:txBody>
-          <a:bodyPr wrap="square" lIns="91440" tIns="45720" rIns="91440" bIns="45720" numCol="1" anchor="t" anchorCtr="0" compatLnSpc="1">
-            <a:prstTxWarp prst="textNoShape">
-              <a:avLst/>
-            </a:prstTxWarp>
-          </a:bodyPr>
-          <a:lstStyle>
-            <a:lvl1pPr eaLnBrk="0" hangingPunct="0">
-              <a:defRPr sz="3600">
-                <a:solidFill>
-                  <a:srgbClr val="000000"/>
-                </a:solidFill>
-                <a:latin typeface="Arial" charset="0"/>
-                <a:ea typeface="黑体" pitchFamily="2" charset="-122"/>
-              </a:defRPr>
-            </a:lvl1pPr>
-            <a:lvl2pPr marL="742950" indent="-285750" eaLnBrk="0" hangingPunct="0">
-              <a:defRPr sz="3600">
-                <a:solidFill>
-                  <a:srgbClr val="000000"/>
-                </a:solidFill>
-                <a:latin typeface="Arial" charset="0"/>
-                <a:ea typeface="黑体" pitchFamily="2" charset="-122"/>
-              </a:defRPr>
-            </a:lvl2pPr>
-            <a:lvl3pPr marL="1143000" indent="-228600" eaLnBrk="0" hangingPunct="0">
-              <a:defRPr sz="3600">
-                <a:solidFill>
-                  <a:srgbClr val="000000"/>
-                </a:solidFill>
-                <a:latin typeface="Arial" charset="0"/>
-                <a:ea typeface="黑体" pitchFamily="2" charset="-122"/>
-              </a:defRPr>
-            </a:lvl3pPr>
-            <a:lvl4pPr marL="1600200" indent="-228600" eaLnBrk="0" hangingPunct="0">
-              <a:defRPr sz="3600">
-                <a:solidFill>
-                  <a:srgbClr val="000000"/>
-                </a:solidFill>
-                <a:latin typeface="Arial" charset="0"/>
-                <a:ea typeface="黑体" pitchFamily="2" charset="-122"/>
-              </a:defRPr>
-            </a:lvl4pPr>
-            <a:lvl5pPr marL="2057400" indent="-228600" eaLnBrk="0" hangingPunct="0">
-              <a:defRPr sz="3600">
-                <a:solidFill>
-                  <a:srgbClr val="000000"/>
-                </a:solidFill>
-                <a:latin typeface="Arial" charset="0"/>
-                <a:ea typeface="黑体" pitchFamily="2" charset="-122"/>
-              </a:defRPr>
-            </a:lvl5pPr>
-            <a:lvl6pPr marL="2514600" indent="-228600" algn="ctr" eaLnBrk="0" fontAlgn="base" hangingPunct="0">
-              <a:spcBef>
-                <a:spcPct val="0"/>
-              </a:spcBef>
-              <a:spcAft>
-                <a:spcPct val="0"/>
-              </a:spcAft>
-              <a:defRPr sz="3600">
-                <a:solidFill>
-                  <a:srgbClr val="000000"/>
-                </a:solidFill>
-                <a:latin typeface="Arial" charset="0"/>
-                <a:ea typeface="黑体" pitchFamily="2" charset="-122"/>
-              </a:defRPr>
-            </a:lvl6pPr>
-            <a:lvl7pPr marL="2971800" indent="-228600" algn="ctr" eaLnBrk="0" fontAlgn="base" hangingPunct="0">
-              <a:spcBef>
-                <a:spcPct val="0"/>
-              </a:spcBef>
-              <a:spcAft>
-                <a:spcPct val="0"/>
-              </a:spcAft>
-              <a:defRPr sz="3600">
-                <a:solidFill>
-                  <a:srgbClr val="000000"/>
-                </a:solidFill>
-                <a:latin typeface="Arial" charset="0"/>
-                <a:ea typeface="黑体" pitchFamily="2" charset="-122"/>
-              </a:defRPr>
-            </a:lvl7pPr>
-            <a:lvl8pPr marL="3429000" indent="-228600" algn="ctr" eaLnBrk="0" fontAlgn="base" hangingPunct="0">
-              <a:spcBef>
-                <a:spcPct val="0"/>
-              </a:spcBef>
-              <a:spcAft>
-                <a:spcPct val="0"/>
-              </a:spcAft>
-              <a:defRPr sz="3600">
-                <a:solidFill>
-                  <a:srgbClr val="000000"/>
-                </a:solidFill>
-                <a:latin typeface="Arial" charset="0"/>
-                <a:ea typeface="黑体" pitchFamily="2" charset="-122"/>
-              </a:defRPr>
-            </a:lvl8pPr>
-            <a:lvl9pPr marL="3886200" indent="-228600" algn="ctr" eaLnBrk="0" fontAlgn="base" hangingPunct="0">
-              <a:spcBef>
-                <a:spcPct val="0"/>
-              </a:spcBef>
-              <a:spcAft>
-                <a:spcPct val="0"/>
-              </a:spcAft>
-              <a:defRPr sz="3600">
-                <a:solidFill>
-                  <a:srgbClr val="000000"/>
-                </a:solidFill>
-                <a:latin typeface="Arial" charset="0"/>
-                <a:ea typeface="黑体" pitchFamily="2" charset="-122"/>
-              </a:defRPr>
-            </a:lvl9pPr>
-          </a:lstStyle>
-          <a:p>
-            <a:pPr eaLnBrk="1" hangingPunct="1"/>
-            <a:fld id="{208C6273-B229-4CC4-99F3-130B5EB8472A}" type="slidenum">
-              <a:rPr lang="en-US" altLang="zh-CN" sz="1400" smtClean="0">
-                <a:solidFill>
-                  <a:schemeClr val="tx2"/>
-                </a:solidFill>
-              </a:rPr>
-              <a:pPr eaLnBrk="1" hangingPunct="1"/>
-              <a:t>10</a:t>
-            </a:fld>
-            <a:endParaRPr lang="en-US" altLang="zh-CN" sz="1400" smtClean="0">
-              <a:solidFill>
-                <a:schemeClr val="tx2"/>
-              </a:solidFill>
-            </a:endParaRPr>
-          </a:p>
-        </p:txBody>
-      </p:sp>
-      <p:sp>
-        <p:nvSpPr>
-          <p:cNvPr id="14339" name="Rectangle 10"/>
-          <p:cNvSpPr>
-            <a:spLocks noGrp="1" noChangeArrowheads="1"/>
-          </p:cNvSpPr>
-          <p:nvPr>
-            <p:ph type="title"/>
-          </p:nvPr>
-        </p:nvSpPr>
-        <p:spPr/>
-        <p:txBody>
-          <a:bodyPr/>
-          <a:lstStyle/>
-          <a:p>
-            <a:pPr eaLnBrk="1" hangingPunct="1"/>
-            <a:r>
-              <a:rPr lang="zh-CN" altLang="en-US" smtClean="0"/>
-              <a:t>规划硬盘中的分区</a:t>
-            </a:r>
-          </a:p>
-        </p:txBody>
-      </p:sp>
-      <p:sp>
-        <p:nvSpPr>
-          <p:cNvPr id="14340" name="Rectangle 11"/>
-          <p:cNvSpPr>
-            <a:spLocks noGrp="1" noChangeArrowheads="1"/>
-          </p:cNvSpPr>
-          <p:nvPr>
-            <p:ph type="body" idx="1"/>
-          </p:nvPr>
-        </p:nvSpPr>
-        <p:spPr>
-          <a:xfrm>
-            <a:off x="609600" y="1115965"/>
-            <a:ext cx="10972800" cy="5815780"/>
-          </a:xfrm>
-        </p:spPr>
-        <p:txBody>
-          <a:bodyPr>
-            <a:normAutofit fontScale="55000" lnSpcReduction="20000"/>
-          </a:bodyPr>
-          <a:lstStyle/>
-          <a:p>
-            <a:pPr>
-              <a:lnSpc>
-                <a:spcPct val="150000"/>
-              </a:lnSpc>
-            </a:pPr>
-            <a:r>
-              <a:rPr lang="en-US" altLang="zh-CN" sz="4700" dirty="0" err="1"/>
-              <a:t>fdisk</a:t>
-            </a:r>
-            <a:r>
-              <a:rPr lang="zh-CN" altLang="en-US" sz="4700" dirty="0"/>
-              <a:t>命令</a:t>
-            </a:r>
-          </a:p>
-          <a:p>
-            <a:pPr lvl="1" eaLnBrk="1" hangingPunct="1"/>
-            <a:r>
-              <a:rPr lang="zh-CN" altLang="en-US" sz="4200" dirty="0"/>
-              <a:t>用途：在交互式的操作环境中管理磁盘分区</a:t>
-            </a:r>
-          </a:p>
-          <a:p>
-            <a:pPr lvl="1" eaLnBrk="1" hangingPunct="1"/>
-            <a:r>
-              <a:rPr lang="zh-CN" altLang="en-US" sz="4200" dirty="0"/>
-              <a:t>格式：</a:t>
-            </a:r>
-            <a:r>
-              <a:rPr lang="en-US" altLang="zh-CN" sz="4200" dirty="0" err="1"/>
-              <a:t>fdisk</a:t>
-            </a:r>
-            <a:r>
-              <a:rPr lang="en-US" altLang="zh-CN" sz="4200" dirty="0"/>
-              <a:t>  [</a:t>
-            </a:r>
-            <a:r>
-              <a:rPr lang="zh-CN" altLang="en-US" sz="4200" dirty="0"/>
-              <a:t>磁盘设备</a:t>
-            </a:r>
-            <a:r>
-              <a:rPr lang="en-US" altLang="zh-CN" sz="4200" dirty="0"/>
-              <a:t>]</a:t>
-            </a:r>
-          </a:p>
-          <a:p>
-            <a:pPr>
-              <a:lnSpc>
-                <a:spcPct val="150000"/>
-              </a:lnSpc>
-            </a:pPr>
-            <a:r>
-              <a:rPr lang="zh-CN" altLang="en-US" sz="3600" dirty="0"/>
-              <a:t>交互模式中的常用指令</a:t>
-            </a:r>
-          </a:p>
-          <a:p>
-            <a:pPr lvl="1"/>
-            <a:r>
-              <a:rPr lang="en-US" altLang="zh-CN" sz="4200" dirty="0"/>
-              <a:t>m</a:t>
-            </a:r>
-            <a:r>
-              <a:rPr lang="zh-CN" altLang="en-US" sz="4200" dirty="0"/>
-              <a:t>：查看操作指令的帮助信息</a:t>
-            </a:r>
-          </a:p>
-          <a:p>
-            <a:pPr lvl="1"/>
-            <a:r>
-              <a:rPr lang="en-US" altLang="zh-CN" sz="4200" dirty="0"/>
-              <a:t>p</a:t>
-            </a:r>
-            <a:r>
-              <a:rPr lang="zh-CN" altLang="en-US" sz="4200" dirty="0"/>
-              <a:t>：列表查看分区信息</a:t>
-            </a:r>
-          </a:p>
-          <a:p>
-            <a:pPr lvl="1"/>
-            <a:r>
-              <a:rPr lang="en-US" altLang="zh-CN" sz="4100" dirty="0" smtClean="0"/>
-              <a:t>n</a:t>
-            </a:r>
-            <a:r>
-              <a:rPr lang="zh-CN" altLang="en-US" sz="4100" dirty="0" smtClean="0"/>
-              <a:t>：新建分区</a:t>
-            </a:r>
-          </a:p>
-          <a:p>
-            <a:pPr lvl="1"/>
-            <a:r>
-              <a:rPr lang="en-US" altLang="zh-CN" sz="4100" dirty="0" smtClean="0"/>
-              <a:t>d</a:t>
-            </a:r>
-            <a:r>
-              <a:rPr lang="zh-CN" altLang="en-US" sz="4100" dirty="0" smtClean="0"/>
-              <a:t>：删除分区</a:t>
-            </a:r>
-          </a:p>
-          <a:p>
-            <a:pPr lvl="1"/>
-            <a:r>
-              <a:rPr lang="en-US" altLang="zh-CN" sz="4100" dirty="0" smtClean="0"/>
-              <a:t>t</a:t>
-            </a:r>
-            <a:r>
-              <a:rPr lang="zh-CN" altLang="en-US" sz="4100" dirty="0" smtClean="0"/>
-              <a:t>：变更分区类型</a:t>
-            </a:r>
-          </a:p>
-          <a:p>
-            <a:pPr lvl="1"/>
-            <a:r>
-              <a:rPr lang="en-US" altLang="zh-CN" sz="4100" dirty="0" smtClean="0"/>
-              <a:t>w</a:t>
-            </a:r>
-            <a:r>
-              <a:rPr lang="zh-CN" altLang="en-US" sz="4100" dirty="0" smtClean="0"/>
-              <a:t>：保存分区设置并退出</a:t>
-            </a:r>
-          </a:p>
-          <a:p>
-            <a:pPr lvl="1"/>
-            <a:r>
-              <a:rPr lang="en-US" altLang="zh-CN" sz="4100" dirty="0" smtClean="0"/>
-              <a:t>q</a:t>
-            </a:r>
-            <a:r>
-              <a:rPr lang="zh-CN" altLang="en-US" sz="4100" dirty="0" smtClean="0"/>
-              <a:t>：放弃分区设置并退出</a:t>
-            </a:r>
-            <a:endParaRPr lang="zh-CN" altLang="en-US" sz="4100" dirty="0"/>
-          </a:p>
-        </p:txBody>
-      </p:sp>
-    </p:spTree>
-    <p:extLst>
-      <p:ext uri="{BB962C8B-B14F-4D97-AF65-F5344CB8AC3E}">
-        <p14:creationId xmlns:p14="http://schemas.microsoft.com/office/powerpoint/2010/main" val="1320502049"/>
-      </p:ext>
-    </p:extLst>
-  </p:cSld>
-  <p:clrMapOvr>
-    <a:masterClrMapping/>
-  </p:clrMapOvr>
-  <p:timing>
-    <p:tnLst>
-      <p:par>
-        <p:cTn id="1" dur="indefinite" restart="never" nodeType="tmRoot"/>
-      </p:par>
-    </p:tnLst>
-  </p:timing>
-</p:sld>
-</file>
-
-<file path=ppt/slides/slide11.xml><?xml version="1.0" encoding="utf-8"?>
-<p:sld xmlns:a="http://schemas.openxmlformats.org/drawingml/2006/main" xmlns:r="http://schemas.openxmlformats.org/officeDocument/2006/relationships" xmlns:p="http://schemas.openxmlformats.org/presentationml/2006/main">
-  <p:cSld>
-    <p:spTree>
-      <p:nvGrpSpPr>
-        <p:cNvPr id="1" name=""/>
-        <p:cNvGrpSpPr/>
-        <p:nvPr/>
-      </p:nvGrpSpPr>
-      <p:grpSpPr>
-        <a:xfrm>
-          <a:off x="0" y="0"/>
-          <a:ext cx="0" cy="0"/>
-          <a:chOff x="0" y="0"/>
-          <a:chExt cx="0" cy="0"/>
-        </a:xfrm>
-      </p:grpSpPr>
-      <p:sp>
-        <p:nvSpPr>
           <p:cNvPr id="15362" name="灯片编号占位符 3"/>
           <p:cNvSpPr>
             <a:spLocks noGrp="1"/>
@@ -13757,7 +13273,7 @@
                 </a:solidFill>
               </a:rPr>
               <a:pPr eaLnBrk="1" hangingPunct="1"/>
-              <a:t>11</a:t>
+              <a:t>10</a:t>
             </a:fld>
             <a:endParaRPr lang="en-US" altLang="zh-CN" sz="1400" smtClean="0">
               <a:solidFill>
@@ -14390,7 +13906,7 @@
 </p:sld>
 </file>
 
-<file path=ppt/slides/slide12.xml><?xml version="1.0" encoding="utf-8"?>
+<file path=ppt/slides/slide11.xml><?xml version="1.0" encoding="utf-8"?>
 <p:sld xmlns:a="http://schemas.openxmlformats.org/drawingml/2006/main" xmlns:r="http://schemas.openxmlformats.org/officeDocument/2006/relationships" xmlns:p="http://schemas.openxmlformats.org/presentationml/2006/main">
   <p:cSld>
     <p:spTree>
@@ -14568,7 +14084,7 @@
                 </a:solidFill>
               </a:rPr>
               <a:pPr eaLnBrk="1" hangingPunct="1"/>
-              <a:t>12</a:t>
+              <a:t>11</a:t>
             </a:fld>
             <a:endParaRPr lang="en-US" altLang="zh-CN" sz="1400" smtClean="0">
               <a:solidFill>
@@ -15241,7 +14757,7 @@
 </p:sld>
 </file>
 
-<file path=ppt/slides/slide13.xml><?xml version="1.0" encoding="utf-8"?>
+<file path=ppt/slides/slide12.xml><?xml version="1.0" encoding="utf-8"?>
 <p:sld xmlns:a="http://schemas.openxmlformats.org/drawingml/2006/main" xmlns:r="http://schemas.openxmlformats.org/officeDocument/2006/relationships" xmlns:p="http://schemas.openxmlformats.org/presentationml/2006/main">
   <p:cSld>
     <p:spTree>
@@ -15419,7 +14935,7 @@
                 </a:solidFill>
               </a:rPr>
               <a:pPr eaLnBrk="1" hangingPunct="1"/>
-              <a:t>13</a:t>
+              <a:t>12</a:t>
             </a:fld>
             <a:endParaRPr lang="en-US" altLang="zh-CN" sz="1400" smtClean="0">
               <a:solidFill>
@@ -16326,7 +15842,7 @@
 </p:sld>
 </file>
 
-<file path=ppt/slides/slide14.xml><?xml version="1.0" encoding="utf-8"?>
+<file path=ppt/slides/slide13.xml><?xml version="1.0" encoding="utf-8"?>
 <p:sld xmlns:a="http://schemas.openxmlformats.org/drawingml/2006/main" xmlns:r="http://schemas.openxmlformats.org/officeDocument/2006/relationships" xmlns:p="http://schemas.openxmlformats.org/presentationml/2006/main">
   <p:cSld>
     <p:spTree>
@@ -16438,7 +15954,7 @@
 </p:sld>
 </file>
 
-<file path=ppt/slides/slide15.xml><?xml version="1.0" encoding="utf-8"?>
+<file path=ppt/slides/slide14.xml><?xml version="1.0" encoding="utf-8"?>
 <p:sld xmlns:a="http://schemas.openxmlformats.org/drawingml/2006/main" xmlns:r="http://schemas.openxmlformats.org/officeDocument/2006/relationships" xmlns:p="http://schemas.openxmlformats.org/presentationml/2006/main">
   <p:cSld>
     <p:spTree>
@@ -16616,7 +16132,7 @@
                 </a:solidFill>
               </a:rPr>
               <a:pPr eaLnBrk="1" hangingPunct="1"/>
-              <a:t>15</a:t>
+              <a:t>14</a:t>
             </a:fld>
             <a:endParaRPr lang="en-US" altLang="zh-CN" sz="1400" smtClean="0">
               <a:solidFill>
@@ -17032,7 +16548,7 @@
 </p:sld>
 </file>
 
-<file path=ppt/slides/slide16.xml><?xml version="1.0" encoding="utf-8"?>
+<file path=ppt/slides/slide15.xml><?xml version="1.0" encoding="utf-8"?>
 <p:sld xmlns:a="http://schemas.openxmlformats.org/drawingml/2006/main" xmlns:r="http://schemas.openxmlformats.org/officeDocument/2006/relationships" xmlns:p="http://schemas.openxmlformats.org/presentationml/2006/main">
   <p:cSld>
     <p:spTree>
@@ -17422,7 +16938,7 @@
 </p:sld>
 </file>
 
-<file path=ppt/slides/slide17.xml><?xml version="1.0" encoding="utf-8"?>
+<file path=ppt/slides/slide16.xml><?xml version="1.0" encoding="utf-8"?>
 <p:sld xmlns:a="http://schemas.openxmlformats.org/drawingml/2006/main" xmlns:r="http://schemas.openxmlformats.org/officeDocument/2006/relationships" xmlns:p="http://schemas.openxmlformats.org/presentationml/2006/main">
   <p:cSld>
     <p:spTree>
@@ -17600,7 +17116,7 @@
                 </a:solidFill>
               </a:rPr>
               <a:pPr eaLnBrk="1" hangingPunct="1"/>
-              <a:t>17</a:t>
+              <a:t>16</a:t>
             </a:fld>
             <a:endParaRPr lang="en-US" altLang="zh-CN" sz="1400" smtClean="0">
               <a:solidFill>
@@ -17804,7 +17320,7 @@
 </p:sld>
 </file>
 
-<file path=ppt/slides/slide18.xml><?xml version="1.0" encoding="utf-8"?>
+<file path=ppt/slides/slide17.xml><?xml version="1.0" encoding="utf-8"?>
 <p:sld xmlns:a="http://schemas.openxmlformats.org/drawingml/2006/main" xmlns:r="http://schemas.openxmlformats.org/officeDocument/2006/relationships" xmlns:p="http://schemas.openxmlformats.org/presentationml/2006/main">
   <p:cSld>
     <p:spTree>
@@ -17982,7 +17498,7 @@
                 </a:solidFill>
               </a:rPr>
               <a:pPr eaLnBrk="1" hangingPunct="1"/>
-              <a:t>18</a:t>
+              <a:t>17</a:t>
             </a:fld>
             <a:endParaRPr lang="en-US" altLang="zh-CN" sz="1400" smtClean="0">
               <a:solidFill>
@@ -18176,7 +17692,7 @@
 </p:sld>
 </file>
 
-<file path=ppt/slides/slide19.xml><?xml version="1.0" encoding="utf-8"?>
+<file path=ppt/slides/slide18.xml><?xml version="1.0" encoding="utf-8"?>
 <p:sld xmlns:a="http://schemas.openxmlformats.org/drawingml/2006/main" xmlns:r="http://schemas.openxmlformats.org/officeDocument/2006/relationships" xmlns:p="http://schemas.openxmlformats.org/presentationml/2006/main">
   <p:cSld>
     <p:spTree>
@@ -18354,7 +17870,7 @@
                 </a:solidFill>
               </a:rPr>
               <a:pPr eaLnBrk="1" hangingPunct="1"/>
-              <a:t>19</a:t>
+              <a:t>18</a:t>
             </a:fld>
             <a:endParaRPr lang="en-US" altLang="zh-CN" sz="1400" smtClean="0">
               <a:solidFill>
@@ -18846,119 +18362,7 @@
 </p:sld>
 </file>
 
-<file path=ppt/slides/slide2.xml><?xml version="1.0" encoding="utf-8"?>
-<p:sld xmlns:a="http://schemas.openxmlformats.org/drawingml/2006/main" xmlns:r="http://schemas.openxmlformats.org/officeDocument/2006/relationships" xmlns:p="http://schemas.openxmlformats.org/presentationml/2006/main">
-  <p:cSld>
-    <p:spTree>
-      <p:nvGrpSpPr>
-        <p:cNvPr id="1" name=""/>
-        <p:cNvGrpSpPr/>
-        <p:nvPr/>
-      </p:nvGrpSpPr>
-      <p:grpSpPr>
-        <a:xfrm>
-          <a:off x="0" y="0"/>
-          <a:ext cx="0" cy="0"/>
-          <a:chOff x="0" y="0"/>
-          <a:chExt cx="0" cy="0"/>
-        </a:xfrm>
-      </p:grpSpPr>
-      <p:sp>
-        <p:nvSpPr>
-          <p:cNvPr id="2" name="标题 1"/>
-          <p:cNvSpPr>
-            <a:spLocks noGrp="1"/>
-          </p:cNvSpPr>
-          <p:nvPr>
-            <p:ph type="title"/>
-          </p:nvPr>
-        </p:nvSpPr>
-        <p:spPr/>
-        <p:txBody>
-          <a:bodyPr/>
-          <a:lstStyle/>
-          <a:p>
-            <a:r>
-              <a:rPr lang="zh-CN" altLang="en-US" dirty="0" smtClean="0"/>
-              <a:t>目录</a:t>
-            </a:r>
-            <a:endParaRPr lang="zh-CN" altLang="en-US" dirty="0"/>
-          </a:p>
-        </p:txBody>
-      </p:sp>
-      <p:sp>
-        <p:nvSpPr>
-          <p:cNvPr id="3" name="内容占位符 2"/>
-          <p:cNvSpPr>
-            <a:spLocks noGrp="1"/>
-          </p:cNvSpPr>
-          <p:nvPr>
-            <p:ph idx="1"/>
-          </p:nvPr>
-        </p:nvSpPr>
-        <p:spPr/>
-        <p:txBody>
-          <a:bodyPr/>
-          <a:lstStyle/>
-          <a:p>
-            <a:r>
-              <a:rPr lang="zh-CN" altLang="en-US" dirty="0">
-                <a:solidFill>
-                  <a:srgbClr val="FF0000"/>
-                </a:solidFill>
-              </a:rPr>
-              <a:t>文件系统常用命令</a:t>
-            </a:r>
-            <a:endParaRPr lang="en-US" altLang="zh-CN" dirty="0">
-              <a:solidFill>
-                <a:srgbClr val="FF0000"/>
-              </a:solidFill>
-            </a:endParaRPr>
-          </a:p>
-          <a:p>
-            <a:r>
-              <a:rPr lang="zh-CN" altLang="en-US" dirty="0" smtClean="0"/>
-              <a:t>规划磁盘</a:t>
-            </a:r>
-            <a:endParaRPr lang="en-US" altLang="zh-CN" dirty="0" smtClean="0"/>
-          </a:p>
-          <a:p>
-            <a:r>
-              <a:rPr lang="zh-CN" altLang="en-US" dirty="0" smtClean="0"/>
-              <a:t>挂载磁盘</a:t>
-            </a:r>
-            <a:endParaRPr lang="en-US" altLang="zh-CN" dirty="0" smtClean="0"/>
-          </a:p>
-          <a:p>
-            <a:r>
-              <a:rPr lang="zh-CN" altLang="en-US" dirty="0" smtClean="0"/>
-              <a:t>磁盘限额</a:t>
-            </a:r>
-            <a:endParaRPr lang="zh-CN" altLang="en-US" dirty="0"/>
-          </a:p>
-        </p:txBody>
-      </p:sp>
-    </p:spTree>
-    <p:extLst>
-      <p:ext uri="{BB962C8B-B14F-4D97-AF65-F5344CB8AC3E}">
-        <p14:creationId xmlns:p14="http://schemas.microsoft.com/office/powerpoint/2010/main" val="2998525097"/>
-      </p:ext>
-    </p:extLst>
-  </p:cSld>
-  <p:clrMapOvr>
-    <a:masterClrMapping/>
-  </p:clrMapOvr>
-  <p:timing>
-    <p:tnLst>
-      <p:par>
-        <p:cTn id="1" dur="indefinite" restart="never" nodeType="tmRoot"/>
-      </p:par>
-    </p:tnLst>
-  </p:timing>
-</p:sld>
-</file>
-
-<file path=ppt/slides/slide20.xml><?xml version="1.0" encoding="utf-8"?>
+<file path=ppt/slides/slide19.xml><?xml version="1.0" encoding="utf-8"?>
 <p:sld xmlns:a="http://schemas.openxmlformats.org/drawingml/2006/main" xmlns:r="http://schemas.openxmlformats.org/officeDocument/2006/relationships" xmlns:p="http://schemas.openxmlformats.org/presentationml/2006/main">
   <p:cSld>
     <p:spTree>
@@ -19136,7 +18540,7 @@
                 </a:solidFill>
               </a:rPr>
               <a:pPr eaLnBrk="1" hangingPunct="1"/>
-              <a:t>20</a:t>
+              <a:t>19</a:t>
             </a:fld>
             <a:endParaRPr lang="en-US" altLang="zh-CN" sz="1400" smtClean="0">
               <a:solidFill>
@@ -20073,7 +19477,119 @@
 </p:sld>
 </file>
 
-<file path=ppt/slides/slide21.xml><?xml version="1.0" encoding="utf-8"?>
+<file path=ppt/slides/slide2.xml><?xml version="1.0" encoding="utf-8"?>
+<p:sld xmlns:a="http://schemas.openxmlformats.org/drawingml/2006/main" xmlns:r="http://schemas.openxmlformats.org/officeDocument/2006/relationships" xmlns:p="http://schemas.openxmlformats.org/presentationml/2006/main">
+  <p:cSld>
+    <p:spTree>
+      <p:nvGrpSpPr>
+        <p:cNvPr id="1" name=""/>
+        <p:cNvGrpSpPr/>
+        <p:nvPr/>
+      </p:nvGrpSpPr>
+      <p:grpSpPr>
+        <a:xfrm>
+          <a:off x="0" y="0"/>
+          <a:ext cx="0" cy="0"/>
+          <a:chOff x="0" y="0"/>
+          <a:chExt cx="0" cy="0"/>
+        </a:xfrm>
+      </p:grpSpPr>
+      <p:sp>
+        <p:nvSpPr>
+          <p:cNvPr id="2" name="标题 1"/>
+          <p:cNvSpPr>
+            <a:spLocks noGrp="1"/>
+          </p:cNvSpPr>
+          <p:nvPr>
+            <p:ph type="title"/>
+          </p:nvPr>
+        </p:nvSpPr>
+        <p:spPr/>
+        <p:txBody>
+          <a:bodyPr/>
+          <a:lstStyle/>
+          <a:p>
+            <a:r>
+              <a:rPr lang="zh-CN" altLang="en-US" dirty="0" smtClean="0"/>
+              <a:t>目录</a:t>
+            </a:r>
+            <a:endParaRPr lang="zh-CN" altLang="en-US" dirty="0"/>
+          </a:p>
+        </p:txBody>
+      </p:sp>
+      <p:sp>
+        <p:nvSpPr>
+          <p:cNvPr id="3" name="内容占位符 2"/>
+          <p:cNvSpPr>
+            <a:spLocks noGrp="1"/>
+          </p:cNvSpPr>
+          <p:nvPr>
+            <p:ph idx="1"/>
+          </p:nvPr>
+        </p:nvSpPr>
+        <p:spPr/>
+        <p:txBody>
+          <a:bodyPr/>
+          <a:lstStyle/>
+          <a:p>
+            <a:r>
+              <a:rPr lang="zh-CN" altLang="en-US" dirty="0">
+                <a:solidFill>
+                  <a:srgbClr val="FF0000"/>
+                </a:solidFill>
+              </a:rPr>
+              <a:t>文件系统常用命令</a:t>
+            </a:r>
+            <a:endParaRPr lang="en-US" altLang="zh-CN" dirty="0">
+              <a:solidFill>
+                <a:srgbClr val="FF0000"/>
+              </a:solidFill>
+            </a:endParaRPr>
+          </a:p>
+          <a:p>
+            <a:r>
+              <a:rPr lang="zh-CN" altLang="en-US" dirty="0" smtClean="0"/>
+              <a:t>规划磁盘</a:t>
+            </a:r>
+            <a:endParaRPr lang="en-US" altLang="zh-CN" dirty="0" smtClean="0"/>
+          </a:p>
+          <a:p>
+            <a:r>
+              <a:rPr lang="zh-CN" altLang="en-US" dirty="0" smtClean="0"/>
+              <a:t>挂载磁盘</a:t>
+            </a:r>
+            <a:endParaRPr lang="en-US" altLang="zh-CN" dirty="0" smtClean="0"/>
+          </a:p>
+          <a:p>
+            <a:r>
+              <a:rPr lang="zh-CN" altLang="en-US" dirty="0" smtClean="0"/>
+              <a:t>磁盘限额</a:t>
+            </a:r>
+            <a:endParaRPr lang="zh-CN" altLang="en-US" dirty="0"/>
+          </a:p>
+        </p:txBody>
+      </p:sp>
+    </p:spTree>
+    <p:extLst>
+      <p:ext uri="{BB962C8B-B14F-4D97-AF65-F5344CB8AC3E}">
+        <p14:creationId xmlns:p14="http://schemas.microsoft.com/office/powerpoint/2010/main" val="2998525097"/>
+      </p:ext>
+    </p:extLst>
+  </p:cSld>
+  <p:clrMapOvr>
+    <a:masterClrMapping/>
+  </p:clrMapOvr>
+  <p:timing>
+    <p:tnLst>
+      <p:par>
+        <p:cTn id="1" dur="indefinite" restart="never" nodeType="tmRoot"/>
+      </p:par>
+    </p:tnLst>
+  </p:timing>
+</p:sld>
+</file>
+
+<file path=ppt/slides/slide20.xml><?xml version="1.0" encoding="utf-8"?>
 <p:sld xmlns:a="http://schemas.openxmlformats.org/drawingml/2006/main" xmlns:r="http://schemas.openxmlformats.org/officeDocument/2006/relationships" xmlns:p="http://schemas.openxmlformats.org/presentationml/2006/main">
   <p:cSld>
     <p:spTree>
@@ -20251,7 +19767,7 @@
                 </a:solidFill>
               </a:rPr>
               <a:pPr eaLnBrk="1" hangingPunct="1"/>
-              <a:t>21</a:t>
+              <a:t>20</a:t>
             </a:fld>
             <a:endParaRPr lang="en-US" altLang="zh-CN" sz="1400" smtClean="0">
               <a:solidFill>
@@ -20704,7 +20220,7 @@
 </p:sld>
 </file>
 
-<file path=ppt/slides/slide22.xml><?xml version="1.0" encoding="utf-8"?>
+<file path=ppt/slides/slide21.xml><?xml version="1.0" encoding="utf-8"?>
 <p:sld xmlns:a="http://schemas.openxmlformats.org/drawingml/2006/main" xmlns:r="http://schemas.openxmlformats.org/officeDocument/2006/relationships" xmlns:p="http://schemas.openxmlformats.org/presentationml/2006/main">
   <p:cSld>
     <p:spTree>
@@ -20882,7 +20398,7 @@
                 </a:solidFill>
               </a:rPr>
               <a:pPr eaLnBrk="1" hangingPunct="1"/>
-              <a:t>22</a:t>
+              <a:t>21</a:t>
             </a:fld>
             <a:endParaRPr lang="en-US" altLang="zh-CN" sz="1400" smtClean="0">
               <a:solidFill>
@@ -21059,7 +20575,7 @@
 </p:sld>
 </file>
 
-<file path=ppt/slides/slide23.xml><?xml version="1.0" encoding="utf-8"?>
+<file path=ppt/slides/slide22.xml><?xml version="1.0" encoding="utf-8"?>
 <p:sld xmlns:a="http://schemas.openxmlformats.org/drawingml/2006/main" xmlns:r="http://schemas.openxmlformats.org/officeDocument/2006/relationships" xmlns:p="http://schemas.openxmlformats.org/presentationml/2006/main">
   <p:cSld>
     <p:spTree>
@@ -21171,7 +20687,7 @@
 </p:sld>
 </file>
 
-<file path=ppt/slides/slide24.xml><?xml version="1.0" encoding="utf-8"?>
+<file path=ppt/slides/slide23.xml><?xml version="1.0" encoding="utf-8"?>
 <p:sld xmlns:a="http://schemas.openxmlformats.org/drawingml/2006/main" xmlns:r="http://schemas.openxmlformats.org/officeDocument/2006/relationships" xmlns:p="http://schemas.openxmlformats.org/presentationml/2006/main">
   <p:cSld>
     <p:spTree>
@@ -21349,7 +20865,7 @@
                 </a:solidFill>
               </a:rPr>
               <a:pPr eaLnBrk="1" hangingPunct="1"/>
-              <a:t>24</a:t>
+              <a:t>23</a:t>
             </a:fld>
             <a:endParaRPr lang="en-US" altLang="zh-CN" sz="1400" smtClean="0">
               <a:solidFill>
@@ -21523,7 +21039,7 @@
 </p:sld>
 </file>
 
-<file path=ppt/slides/slide25.xml><?xml version="1.0" encoding="utf-8"?>
+<file path=ppt/slides/slide24.xml><?xml version="1.0" encoding="utf-8"?>
 <p:sld xmlns:a="http://schemas.openxmlformats.org/drawingml/2006/main" xmlns:r="http://schemas.openxmlformats.org/officeDocument/2006/relationships" xmlns:p="http://schemas.openxmlformats.org/presentationml/2006/main">
   <p:cSld>
     <p:spTree>
@@ -21701,7 +21217,7 @@
                 </a:solidFill>
               </a:rPr>
               <a:pPr eaLnBrk="1" hangingPunct="1"/>
-              <a:t>25</a:t>
+              <a:t>24</a:t>
             </a:fld>
             <a:endParaRPr lang="en-US" altLang="zh-CN" sz="1400" smtClean="0">
               <a:solidFill>
@@ -22083,7 +21599,7 @@
 </p:sld>
 </file>
 
-<file path=ppt/slides/slide26.xml><?xml version="1.0" encoding="utf-8"?>
+<file path=ppt/slides/slide25.xml><?xml version="1.0" encoding="utf-8"?>
 <p:sld xmlns:a="http://schemas.openxmlformats.org/drawingml/2006/main" xmlns:r="http://schemas.openxmlformats.org/officeDocument/2006/relationships" xmlns:p="http://schemas.openxmlformats.org/presentationml/2006/main">
   <p:cSld>
     <p:spTree>
@@ -22403,7 +21919,7 @@
                 </a:solidFill>
               </a:rPr>
               <a:pPr eaLnBrk="1" hangingPunct="1"/>
-              <a:t>26</a:t>
+              <a:t>25</a:t>
             </a:fld>
             <a:endParaRPr lang="en-US" altLang="zh-CN" sz="1400" smtClean="0">
               <a:solidFill>
@@ -23048,7 +22564,7 @@
 </p:sld>
 </file>
 
-<file path=ppt/slides/slide27.xml><?xml version="1.0" encoding="utf-8"?>
+<file path=ppt/slides/slide26.xml><?xml version="1.0" encoding="utf-8"?>
 <p:sld xmlns:a="http://schemas.openxmlformats.org/drawingml/2006/main" xmlns:r="http://schemas.openxmlformats.org/officeDocument/2006/relationships" xmlns:p="http://schemas.openxmlformats.org/presentationml/2006/main">
   <p:cSld>
     <p:spTree>
@@ -23226,7 +22742,7 @@
                 </a:solidFill>
               </a:rPr>
               <a:pPr eaLnBrk="1" hangingPunct="1"/>
-              <a:t>27</a:t>
+              <a:t>26</a:t>
             </a:fld>
             <a:endParaRPr lang="en-US" altLang="zh-CN" sz="1400" smtClean="0">
               <a:solidFill>
@@ -24460,7 +23976,7 @@
 </p:sld>
 </file>
 
-<file path=ppt/slides/slide28.xml><?xml version="1.0" encoding="utf-8"?>
+<file path=ppt/slides/slide27.xml><?xml version="1.0" encoding="utf-8"?>
 <p:sld xmlns:a="http://schemas.openxmlformats.org/drawingml/2006/main" xmlns:r="http://schemas.openxmlformats.org/officeDocument/2006/relationships" xmlns:p="http://schemas.openxmlformats.org/presentationml/2006/main">
   <p:cSld>
     <p:spTree>
@@ -24638,7 +24154,7 @@
                 </a:solidFill>
               </a:rPr>
               <a:pPr eaLnBrk="1" hangingPunct="1"/>
-              <a:t>28</a:t>
+              <a:t>27</a:t>
             </a:fld>
             <a:endParaRPr lang="en-US" altLang="zh-CN" sz="1400" smtClean="0">
               <a:solidFill>
@@ -25024,7 +24540,7 @@
 </p:sld>
 </file>
 
-<file path=ppt/slides/slide29.xml><?xml version="1.0" encoding="utf-8"?>
+<file path=ppt/slides/slide28.xml><?xml version="1.0" encoding="utf-8"?>
 <p:sld xmlns:a="http://schemas.openxmlformats.org/drawingml/2006/main" xmlns:r="http://schemas.openxmlformats.org/officeDocument/2006/relationships" xmlns:p="http://schemas.openxmlformats.org/presentationml/2006/main">
   <p:cSld>
     <p:spTree>
@@ -25202,7 +24718,7 @@
                 </a:solidFill>
               </a:rPr>
               <a:pPr eaLnBrk="1" hangingPunct="1"/>
-              <a:t>29</a:t>
+              <a:t>28</a:t>
             </a:fld>
             <a:endParaRPr lang="en-US" altLang="zh-CN" sz="1400" smtClean="0">
               <a:solidFill>
@@ -25610,311 +25126,7 @@
 </p:sld>
 </file>
 
-<file path=ppt/slides/slide3.xml><?xml version="1.0" encoding="utf-8"?>
-<p:sld xmlns:a="http://schemas.openxmlformats.org/drawingml/2006/main" xmlns:r="http://schemas.openxmlformats.org/officeDocument/2006/relationships" xmlns:p="http://schemas.openxmlformats.org/presentationml/2006/main">
-  <p:cSld>
-    <p:spTree>
-      <p:nvGrpSpPr>
-        <p:cNvPr id="1" name=""/>
-        <p:cNvGrpSpPr/>
-        <p:nvPr/>
-      </p:nvGrpSpPr>
-      <p:grpSpPr>
-        <a:xfrm>
-          <a:off x="0" y="0"/>
-          <a:ext cx="0" cy="0"/>
-          <a:chOff x="0" y="0"/>
-          <a:chExt cx="0" cy="0"/>
-        </a:xfrm>
-      </p:grpSpPr>
-      <p:sp>
-        <p:nvSpPr>
-          <p:cNvPr id="2" name="内容占位符 1"/>
-          <p:cNvSpPr>
-            <a:spLocks noGrp="1"/>
-          </p:cNvSpPr>
-          <p:nvPr>
-            <p:ph idx="1"/>
-          </p:nvPr>
-        </p:nvSpPr>
-        <p:spPr>
-          <a:xfrm>
-            <a:off x="1603721" y="1337301"/>
-            <a:ext cx="10588279" cy="4525963"/>
-          </a:xfrm>
-        </p:spPr>
-        <p:txBody>
-          <a:bodyPr>
-            <a:normAutofit fontScale="92500" lnSpcReduction="20000"/>
-          </a:bodyPr>
-          <a:lstStyle/>
-          <a:p>
-            <a:pPr marL="0" indent="0">
-              <a:buNone/>
-            </a:pPr>
-            <a:r>
-              <a:rPr lang="en-US" altLang="zh-CN" dirty="0"/>
-              <a:t>[</a:t>
-            </a:r>
-            <a:r>
-              <a:rPr lang="en-US" altLang="zh-CN" dirty="0" err="1"/>
-              <a:t>root@localhost</a:t>
-            </a:r>
-            <a:r>
-              <a:rPr lang="en-US" altLang="zh-CN" dirty="0"/>
-              <a:t> ~]#  </a:t>
-            </a:r>
-            <a:r>
-              <a:rPr lang="en-US" altLang="zh-CN" dirty="0" err="1"/>
-              <a:t>df</a:t>
-            </a:r>
-            <a:r>
-              <a:rPr lang="en-US" altLang="zh-CN" dirty="0"/>
-              <a:t>  </a:t>
-            </a:r>
-            <a:r>
-              <a:rPr lang="en-US" altLang="zh-CN" dirty="0" smtClean="0"/>
-              <a:t>[</a:t>
-            </a:r>
-            <a:r>
-              <a:rPr lang="zh-CN" altLang="en-US" dirty="0" smtClean="0"/>
-              <a:t>选项</a:t>
-            </a:r>
-            <a:r>
-              <a:rPr lang="en-US" altLang="zh-CN" dirty="0" smtClean="0"/>
-              <a:t>] [</a:t>
-            </a:r>
-            <a:r>
-              <a:rPr lang="zh-CN" altLang="en-US" dirty="0" smtClean="0"/>
-              <a:t>挂载点</a:t>
-            </a:r>
-            <a:r>
-              <a:rPr lang="en-US" altLang="zh-CN" dirty="0" smtClean="0"/>
-              <a:t>]</a:t>
-            </a:r>
-          </a:p>
-          <a:p>
-            <a:r>
-              <a:rPr lang="zh-CN" altLang="zh-CN" dirty="0"/>
-              <a:t>功能</a:t>
-            </a:r>
-            <a:r>
-              <a:rPr lang="zh-CN" altLang="en-US" dirty="0"/>
-              <a:t>：</a:t>
-            </a:r>
-            <a:r>
-              <a:rPr lang="zh-CN" altLang="zh-CN" dirty="0"/>
-              <a:t>用来检查</a:t>
-            </a:r>
-            <a:r>
-              <a:rPr lang="en-US" altLang="zh-CN" dirty="0" err="1"/>
-              <a:t>linux</a:t>
-            </a:r>
-            <a:r>
-              <a:rPr lang="zh-CN" altLang="zh-CN" dirty="0"/>
-              <a:t>服务器的文件系统的磁盘空间占用情况</a:t>
-            </a:r>
-          </a:p>
-          <a:p>
-            <a:r>
-              <a:rPr lang="zh-CN" altLang="en-US" dirty="0" smtClean="0"/>
-              <a:t>选项：</a:t>
-            </a:r>
-            <a:endParaRPr lang="en-US" altLang="zh-CN" dirty="0" smtClean="0"/>
-          </a:p>
-          <a:p>
-            <a:pPr marL="0" indent="0">
-              <a:buNone/>
-            </a:pPr>
-            <a:r>
-              <a:rPr lang="en-US" altLang="zh-CN" dirty="0" smtClean="0"/>
-              <a:t>-a	</a:t>
-            </a:r>
-            <a:r>
-              <a:rPr lang="zh-CN" altLang="en-US" dirty="0" smtClean="0"/>
-              <a:t>显示所有文件的系统信息，包括特殊文件系统，如：</a:t>
-            </a:r>
-            <a:r>
-              <a:rPr lang="en-US" altLang="zh-CN" dirty="0" smtClean="0"/>
-              <a:t>/</a:t>
-            </a:r>
-            <a:r>
-              <a:rPr lang="en-US" altLang="zh-CN" dirty="0" err="1" smtClean="0"/>
-              <a:t>proc</a:t>
-            </a:r>
-            <a:r>
-              <a:rPr lang="zh-CN" altLang="en-US" dirty="0" smtClean="0"/>
-              <a:t>，</a:t>
-            </a:r>
-            <a:r>
-              <a:rPr lang="en-US" altLang="zh-CN" dirty="0" smtClean="0"/>
-              <a:t>/</a:t>
-            </a:r>
-            <a:r>
-              <a:rPr lang="en-US" altLang="zh-CN" dirty="0" err="1" smtClean="0"/>
-              <a:t>sysfs</a:t>
-            </a:r>
-            <a:endParaRPr lang="en-US" altLang="zh-CN" dirty="0" smtClean="0"/>
-          </a:p>
-          <a:p>
-            <a:pPr marL="0" indent="0">
-              <a:buNone/>
-            </a:pPr>
-            <a:r>
-              <a:rPr lang="en-US" altLang="zh-CN" dirty="0" smtClean="0"/>
-              <a:t>-h	</a:t>
-            </a:r>
-            <a:r>
-              <a:rPr lang="zh-CN" altLang="en-US" dirty="0" smtClean="0"/>
-              <a:t>使用习惯单位显示容量，如</a:t>
-            </a:r>
-            <a:r>
-              <a:rPr lang="en-US" altLang="zh-CN" dirty="0" smtClean="0"/>
-              <a:t>KB</a:t>
-            </a:r>
-            <a:r>
-              <a:rPr lang="zh-CN" altLang="en-US" dirty="0" smtClean="0"/>
-              <a:t>，</a:t>
-            </a:r>
-            <a:r>
-              <a:rPr lang="en-US" altLang="zh-CN" dirty="0" smtClean="0"/>
-              <a:t>MB</a:t>
-            </a:r>
-            <a:r>
-              <a:rPr lang="zh-CN" altLang="en-US" dirty="0" smtClean="0"/>
-              <a:t>或</a:t>
-            </a:r>
-            <a:r>
-              <a:rPr lang="en-US" altLang="zh-CN" dirty="0" smtClean="0"/>
-              <a:t>GB</a:t>
-            </a:r>
-            <a:r>
-              <a:rPr lang="zh-CN" altLang="en-US" dirty="0" smtClean="0"/>
-              <a:t>等</a:t>
-            </a:r>
-            <a:endParaRPr lang="en-US" altLang="zh-CN" dirty="0" smtClean="0"/>
-          </a:p>
-          <a:p>
-            <a:pPr marL="0" indent="0">
-              <a:buNone/>
-            </a:pPr>
-            <a:r>
-              <a:rPr lang="en-US" altLang="zh-CN" dirty="0" smtClean="0"/>
-              <a:t>-T  </a:t>
-            </a:r>
-            <a:r>
-              <a:rPr lang="zh-CN" altLang="en-US" dirty="0" smtClean="0"/>
-              <a:t>显示文件系统类型</a:t>
-            </a:r>
-            <a:r>
-              <a:rPr lang="en-US" altLang="zh-CN" dirty="0" smtClean="0"/>
-              <a:t>	</a:t>
-            </a:r>
-          </a:p>
-          <a:p>
-            <a:pPr marL="0" indent="0">
-              <a:buNone/>
-            </a:pPr>
-            <a:r>
-              <a:rPr lang="en-US" altLang="zh-CN" dirty="0" smtClean="0"/>
-              <a:t>-m	</a:t>
-            </a:r>
-            <a:r>
-              <a:rPr lang="zh-CN" altLang="en-US" dirty="0" smtClean="0"/>
-              <a:t>以</a:t>
-            </a:r>
-            <a:r>
-              <a:rPr lang="en-US" altLang="zh-CN" dirty="0" smtClean="0"/>
-              <a:t>MB</a:t>
-            </a:r>
-            <a:r>
-              <a:rPr lang="zh-CN" altLang="en-US" dirty="0" smtClean="0"/>
-              <a:t>为单位显示容量</a:t>
-            </a:r>
-            <a:endParaRPr lang="en-US" altLang="zh-CN" dirty="0" smtClean="0"/>
-          </a:p>
-          <a:p>
-            <a:pPr marL="0" indent="0">
-              <a:buNone/>
-            </a:pPr>
-            <a:r>
-              <a:rPr lang="en-US" altLang="zh-CN" dirty="0" smtClean="0"/>
-              <a:t>-k   </a:t>
-            </a:r>
-            <a:r>
-              <a:rPr lang="zh-CN" altLang="en-US" dirty="0" smtClean="0"/>
-              <a:t>以</a:t>
-            </a:r>
-            <a:r>
-              <a:rPr lang="en-US" altLang="zh-CN" dirty="0" smtClean="0"/>
-              <a:t>KB</a:t>
-            </a:r>
-            <a:r>
-              <a:rPr lang="zh-CN" altLang="en-US" dirty="0" smtClean="0"/>
-              <a:t>为单位显示容量，默认就是以</a:t>
-            </a:r>
-            <a:r>
-              <a:rPr lang="en-US" altLang="zh-CN" dirty="0" smtClean="0"/>
-              <a:t>KB</a:t>
-            </a:r>
-            <a:r>
-              <a:rPr lang="zh-CN" altLang="en-US" dirty="0" smtClean="0"/>
-              <a:t>为单位</a:t>
-            </a:r>
-            <a:endParaRPr lang="zh-CN" altLang="en-US" dirty="0"/>
-          </a:p>
-        </p:txBody>
-      </p:sp>
-      <p:sp>
-        <p:nvSpPr>
-          <p:cNvPr id="3" name="标题 2"/>
-          <p:cNvSpPr>
-            <a:spLocks noGrp="1"/>
-          </p:cNvSpPr>
-          <p:nvPr>
-            <p:ph type="title"/>
-          </p:nvPr>
-        </p:nvSpPr>
-        <p:spPr/>
-        <p:txBody>
-          <a:bodyPr>
-            <a:normAutofit/>
-          </a:bodyPr>
-          <a:lstStyle/>
-          <a:p>
-            <a:r>
-              <a:rPr lang="zh-CN" altLang="en-US" dirty="0" smtClean="0"/>
-              <a:t>查看磁盘占用情况</a:t>
-            </a:r>
-            <a:r>
-              <a:rPr lang="en-US" altLang="zh-CN" dirty="0" err="1" smtClean="0"/>
-              <a:t>df</a:t>
-            </a:r>
-            <a:endParaRPr lang="zh-CN" altLang="en-US" dirty="0"/>
-          </a:p>
-        </p:txBody>
-      </p:sp>
-    </p:spTree>
-    <p:extLst>
-      <p:ext uri="{BB962C8B-B14F-4D97-AF65-F5344CB8AC3E}">
-        <p14:creationId xmlns:p14="http://schemas.microsoft.com/office/powerpoint/2010/main" val="4053058479"/>
-      </p:ext>
-    </p:extLst>
-  </p:cSld>
-  <p:clrMapOvr>
-    <a:masterClrMapping/>
-  </p:clrMapOvr>
-  <p:timing>
-    <p:tnLst>
-      <p:par>
-        <p:cTn id="1" dur="indefinite" restart="never" nodeType="tmRoot"/>
-      </p:par>
-    </p:tnLst>
-  </p:timing>
-</p:sld>
-</file>
-
-<file path=ppt/slides/slide30.xml><?xml version="1.0" encoding="utf-8"?>
+<file path=ppt/slides/slide29.xml><?xml version="1.0" encoding="utf-8"?>
 <p:sld xmlns:a="http://schemas.openxmlformats.org/drawingml/2006/main" xmlns:r="http://schemas.openxmlformats.org/officeDocument/2006/relationships" xmlns:p="http://schemas.openxmlformats.org/presentationml/2006/main">
   <p:cSld>
     <p:spTree>
@@ -26092,7 +25304,7 @@
                 </a:solidFill>
               </a:rPr>
               <a:pPr eaLnBrk="1" hangingPunct="1"/>
-              <a:t>30</a:t>
+              <a:t>29</a:t>
             </a:fld>
             <a:endParaRPr lang="en-US" altLang="zh-CN" sz="1400" smtClean="0">
               <a:solidFill>
@@ -26830,7 +26042,311 @@
 </p:sld>
 </file>
 
-<file path=ppt/slides/slide31.xml><?xml version="1.0" encoding="utf-8"?>
+<file path=ppt/slides/slide3.xml><?xml version="1.0" encoding="utf-8"?>
+<p:sld xmlns:a="http://schemas.openxmlformats.org/drawingml/2006/main" xmlns:r="http://schemas.openxmlformats.org/officeDocument/2006/relationships" xmlns:p="http://schemas.openxmlformats.org/presentationml/2006/main">
+  <p:cSld>
+    <p:spTree>
+      <p:nvGrpSpPr>
+        <p:cNvPr id="1" name=""/>
+        <p:cNvGrpSpPr/>
+        <p:nvPr/>
+      </p:nvGrpSpPr>
+      <p:grpSpPr>
+        <a:xfrm>
+          <a:off x="0" y="0"/>
+          <a:ext cx="0" cy="0"/>
+          <a:chOff x="0" y="0"/>
+          <a:chExt cx="0" cy="0"/>
+        </a:xfrm>
+      </p:grpSpPr>
+      <p:sp>
+        <p:nvSpPr>
+          <p:cNvPr id="2" name="内容占位符 1"/>
+          <p:cNvSpPr>
+            <a:spLocks noGrp="1"/>
+          </p:cNvSpPr>
+          <p:nvPr>
+            <p:ph idx="1"/>
+          </p:nvPr>
+        </p:nvSpPr>
+        <p:spPr>
+          <a:xfrm>
+            <a:off x="1603721" y="1337301"/>
+            <a:ext cx="10588279" cy="4525963"/>
+          </a:xfrm>
+        </p:spPr>
+        <p:txBody>
+          <a:bodyPr>
+            <a:normAutofit fontScale="92500" lnSpcReduction="20000"/>
+          </a:bodyPr>
+          <a:lstStyle/>
+          <a:p>
+            <a:pPr marL="0" indent="0">
+              <a:buNone/>
+            </a:pPr>
+            <a:r>
+              <a:rPr lang="en-US" altLang="zh-CN" dirty="0"/>
+              <a:t>[</a:t>
+            </a:r>
+            <a:r>
+              <a:rPr lang="en-US" altLang="zh-CN" dirty="0" err="1"/>
+              <a:t>root@localhost</a:t>
+            </a:r>
+            <a:r>
+              <a:rPr lang="en-US" altLang="zh-CN" dirty="0"/>
+              <a:t> ~]#  </a:t>
+            </a:r>
+            <a:r>
+              <a:rPr lang="en-US" altLang="zh-CN" dirty="0" err="1"/>
+              <a:t>df</a:t>
+            </a:r>
+            <a:r>
+              <a:rPr lang="en-US" altLang="zh-CN" dirty="0"/>
+              <a:t>  </a:t>
+            </a:r>
+            <a:r>
+              <a:rPr lang="en-US" altLang="zh-CN" dirty="0" smtClean="0"/>
+              <a:t>[</a:t>
+            </a:r>
+            <a:r>
+              <a:rPr lang="zh-CN" altLang="en-US" dirty="0" smtClean="0"/>
+              <a:t>选项</a:t>
+            </a:r>
+            <a:r>
+              <a:rPr lang="en-US" altLang="zh-CN" dirty="0" smtClean="0"/>
+              <a:t>] [</a:t>
+            </a:r>
+            <a:r>
+              <a:rPr lang="zh-CN" altLang="en-US" dirty="0" smtClean="0"/>
+              <a:t>挂载点</a:t>
+            </a:r>
+            <a:r>
+              <a:rPr lang="en-US" altLang="zh-CN" dirty="0" smtClean="0"/>
+              <a:t>]</a:t>
+            </a:r>
+          </a:p>
+          <a:p>
+            <a:r>
+              <a:rPr lang="zh-CN" altLang="zh-CN" dirty="0"/>
+              <a:t>功能</a:t>
+            </a:r>
+            <a:r>
+              <a:rPr lang="zh-CN" altLang="en-US" dirty="0"/>
+              <a:t>：</a:t>
+            </a:r>
+            <a:r>
+              <a:rPr lang="zh-CN" altLang="zh-CN" dirty="0"/>
+              <a:t>用来检查</a:t>
+            </a:r>
+            <a:r>
+              <a:rPr lang="en-US" altLang="zh-CN" dirty="0" err="1"/>
+              <a:t>linux</a:t>
+            </a:r>
+            <a:r>
+              <a:rPr lang="zh-CN" altLang="zh-CN" dirty="0"/>
+              <a:t>服务器的文件系统的磁盘空间占用情况</a:t>
+            </a:r>
+          </a:p>
+          <a:p>
+            <a:r>
+              <a:rPr lang="zh-CN" altLang="en-US" dirty="0" smtClean="0"/>
+              <a:t>选项：</a:t>
+            </a:r>
+            <a:endParaRPr lang="en-US" altLang="zh-CN" dirty="0" smtClean="0"/>
+          </a:p>
+          <a:p>
+            <a:pPr marL="0" indent="0">
+              <a:buNone/>
+            </a:pPr>
+            <a:r>
+              <a:rPr lang="en-US" altLang="zh-CN" dirty="0" smtClean="0"/>
+              <a:t>-a	</a:t>
+            </a:r>
+            <a:r>
+              <a:rPr lang="zh-CN" altLang="en-US" dirty="0" smtClean="0"/>
+              <a:t>显示所有文件的系统信息，包括特殊文件系统，如：</a:t>
+            </a:r>
+            <a:r>
+              <a:rPr lang="en-US" altLang="zh-CN" dirty="0" smtClean="0"/>
+              <a:t>/</a:t>
+            </a:r>
+            <a:r>
+              <a:rPr lang="en-US" altLang="zh-CN" dirty="0" err="1" smtClean="0"/>
+              <a:t>proc</a:t>
+            </a:r>
+            <a:r>
+              <a:rPr lang="zh-CN" altLang="en-US" dirty="0" smtClean="0"/>
+              <a:t>，</a:t>
+            </a:r>
+            <a:r>
+              <a:rPr lang="en-US" altLang="zh-CN" dirty="0" smtClean="0"/>
+              <a:t>/</a:t>
+            </a:r>
+            <a:r>
+              <a:rPr lang="en-US" altLang="zh-CN" dirty="0" err="1" smtClean="0"/>
+              <a:t>sysfs</a:t>
+            </a:r>
+            <a:endParaRPr lang="en-US" altLang="zh-CN" dirty="0" smtClean="0"/>
+          </a:p>
+          <a:p>
+            <a:pPr marL="0" indent="0">
+              <a:buNone/>
+            </a:pPr>
+            <a:r>
+              <a:rPr lang="en-US" altLang="zh-CN" dirty="0" smtClean="0"/>
+              <a:t>-h	</a:t>
+            </a:r>
+            <a:r>
+              <a:rPr lang="zh-CN" altLang="en-US" dirty="0" smtClean="0"/>
+              <a:t>使用习惯单位显示容量，如</a:t>
+            </a:r>
+            <a:r>
+              <a:rPr lang="en-US" altLang="zh-CN" dirty="0" smtClean="0"/>
+              <a:t>KB</a:t>
+            </a:r>
+            <a:r>
+              <a:rPr lang="zh-CN" altLang="en-US" dirty="0" smtClean="0"/>
+              <a:t>，</a:t>
+            </a:r>
+            <a:r>
+              <a:rPr lang="en-US" altLang="zh-CN" dirty="0" smtClean="0"/>
+              <a:t>MB</a:t>
+            </a:r>
+            <a:r>
+              <a:rPr lang="zh-CN" altLang="en-US" dirty="0" smtClean="0"/>
+              <a:t>或</a:t>
+            </a:r>
+            <a:r>
+              <a:rPr lang="en-US" altLang="zh-CN" dirty="0" smtClean="0"/>
+              <a:t>GB</a:t>
+            </a:r>
+            <a:r>
+              <a:rPr lang="zh-CN" altLang="en-US" dirty="0" smtClean="0"/>
+              <a:t>等</a:t>
+            </a:r>
+            <a:endParaRPr lang="en-US" altLang="zh-CN" dirty="0" smtClean="0"/>
+          </a:p>
+          <a:p>
+            <a:pPr marL="0" indent="0">
+              <a:buNone/>
+            </a:pPr>
+            <a:r>
+              <a:rPr lang="en-US" altLang="zh-CN" dirty="0" smtClean="0"/>
+              <a:t>-T  </a:t>
+            </a:r>
+            <a:r>
+              <a:rPr lang="zh-CN" altLang="en-US" dirty="0" smtClean="0"/>
+              <a:t>显示文件系统类型</a:t>
+            </a:r>
+            <a:r>
+              <a:rPr lang="en-US" altLang="zh-CN" dirty="0" smtClean="0"/>
+              <a:t>	</a:t>
+            </a:r>
+          </a:p>
+          <a:p>
+            <a:pPr marL="0" indent="0">
+              <a:buNone/>
+            </a:pPr>
+            <a:r>
+              <a:rPr lang="en-US" altLang="zh-CN" dirty="0" smtClean="0"/>
+              <a:t>-m	</a:t>
+            </a:r>
+            <a:r>
+              <a:rPr lang="zh-CN" altLang="en-US" dirty="0" smtClean="0"/>
+              <a:t>以</a:t>
+            </a:r>
+            <a:r>
+              <a:rPr lang="en-US" altLang="zh-CN" dirty="0" smtClean="0"/>
+              <a:t>MB</a:t>
+            </a:r>
+            <a:r>
+              <a:rPr lang="zh-CN" altLang="en-US" dirty="0" smtClean="0"/>
+              <a:t>为单位显示容量</a:t>
+            </a:r>
+            <a:endParaRPr lang="en-US" altLang="zh-CN" dirty="0" smtClean="0"/>
+          </a:p>
+          <a:p>
+            <a:pPr marL="0" indent="0">
+              <a:buNone/>
+            </a:pPr>
+            <a:r>
+              <a:rPr lang="en-US" altLang="zh-CN" dirty="0" smtClean="0"/>
+              <a:t>-k   </a:t>
+            </a:r>
+            <a:r>
+              <a:rPr lang="zh-CN" altLang="en-US" dirty="0" smtClean="0"/>
+              <a:t>以</a:t>
+            </a:r>
+            <a:r>
+              <a:rPr lang="en-US" altLang="zh-CN" dirty="0" smtClean="0"/>
+              <a:t>KB</a:t>
+            </a:r>
+            <a:r>
+              <a:rPr lang="zh-CN" altLang="en-US" dirty="0" smtClean="0"/>
+              <a:t>为单位显示容量，默认就是以</a:t>
+            </a:r>
+            <a:r>
+              <a:rPr lang="en-US" altLang="zh-CN" dirty="0" smtClean="0"/>
+              <a:t>KB</a:t>
+            </a:r>
+            <a:r>
+              <a:rPr lang="zh-CN" altLang="en-US" dirty="0" smtClean="0"/>
+              <a:t>为单位</a:t>
+            </a:r>
+            <a:endParaRPr lang="zh-CN" altLang="en-US" dirty="0"/>
+          </a:p>
+        </p:txBody>
+      </p:sp>
+      <p:sp>
+        <p:nvSpPr>
+          <p:cNvPr id="3" name="标题 2"/>
+          <p:cNvSpPr>
+            <a:spLocks noGrp="1"/>
+          </p:cNvSpPr>
+          <p:nvPr>
+            <p:ph type="title"/>
+          </p:nvPr>
+        </p:nvSpPr>
+        <p:spPr/>
+        <p:txBody>
+          <a:bodyPr>
+            <a:normAutofit/>
+          </a:bodyPr>
+          <a:lstStyle/>
+          <a:p>
+            <a:r>
+              <a:rPr lang="zh-CN" altLang="en-US" dirty="0" smtClean="0"/>
+              <a:t>查看磁盘占用情况</a:t>
+            </a:r>
+            <a:r>
+              <a:rPr lang="en-US" altLang="zh-CN" dirty="0" err="1" smtClean="0"/>
+              <a:t>df</a:t>
+            </a:r>
+            <a:endParaRPr lang="zh-CN" altLang="en-US" dirty="0"/>
+          </a:p>
+        </p:txBody>
+      </p:sp>
+    </p:spTree>
+    <p:extLst>
+      <p:ext uri="{BB962C8B-B14F-4D97-AF65-F5344CB8AC3E}">
+        <p14:creationId xmlns:p14="http://schemas.microsoft.com/office/powerpoint/2010/main" val="4053058479"/>
+      </p:ext>
+    </p:extLst>
+  </p:cSld>
+  <p:clrMapOvr>
+    <a:masterClrMapping/>
+  </p:clrMapOvr>
+  <p:timing>
+    <p:tnLst>
+      <p:par>
+        <p:cTn id="1" dur="indefinite" restart="never" nodeType="tmRoot"/>
+      </p:par>
+    </p:tnLst>
+  </p:timing>
+</p:sld>
+</file>
+
+<file path=ppt/slides/slide30.xml><?xml version="1.0" encoding="utf-8"?>
 <p:sld xmlns:a="http://schemas.openxmlformats.org/drawingml/2006/main" xmlns:r="http://schemas.openxmlformats.org/officeDocument/2006/relationships" xmlns:p="http://schemas.openxmlformats.org/presentationml/2006/main">
   <p:cSld>
     <p:spTree>
@@ -27466,114 +26982,6 @@
       </p:grpSpPr>
       <p:sp>
         <p:nvSpPr>
-          <p:cNvPr id="2" name="内容占位符 1"/>
-          <p:cNvSpPr>
-            <a:spLocks noGrp="1"/>
-          </p:cNvSpPr>
-          <p:nvPr>
-            <p:ph idx="1"/>
-          </p:nvPr>
-        </p:nvSpPr>
-        <p:spPr>
-          <a:xfrm>
-            <a:off x="918492" y="1496065"/>
-            <a:ext cx="12015125" cy="4525963"/>
-          </a:xfrm>
-        </p:spPr>
-        <p:txBody>
-          <a:bodyPr/>
-          <a:lstStyle/>
-          <a:p>
-            <a:r>
-              <a:rPr lang="en-US" altLang="zh-CN" dirty="0"/>
-              <a:t>[</a:t>
-            </a:r>
-            <a:r>
-              <a:rPr lang="en-US" altLang="zh-CN" dirty="0" err="1"/>
-              <a:t>root@localhost</a:t>
-            </a:r>
-            <a:r>
-              <a:rPr lang="en-US" altLang="zh-CN" dirty="0"/>
-              <a:t> </a:t>
-            </a:r>
-            <a:r>
-              <a:rPr lang="en-US" altLang="zh-CN" dirty="0" smtClean="0"/>
-              <a:t>~]#dumpe2fs </a:t>
-            </a:r>
-            <a:r>
-              <a:rPr lang="zh-CN" altLang="en-US" dirty="0" smtClean="0"/>
-              <a:t>分区设备文件名</a:t>
-            </a:r>
-            <a:endParaRPr lang="zh-CN" altLang="en-US" dirty="0"/>
-          </a:p>
-        </p:txBody>
-      </p:sp>
-      <p:sp>
-        <p:nvSpPr>
-          <p:cNvPr id="3" name="标题 2"/>
-          <p:cNvSpPr>
-            <a:spLocks noGrp="1"/>
-          </p:cNvSpPr>
-          <p:nvPr>
-            <p:ph type="title"/>
-          </p:nvPr>
-        </p:nvSpPr>
-        <p:spPr/>
-        <p:txBody>
-          <a:bodyPr/>
-          <a:lstStyle/>
-          <a:p>
-            <a:r>
-              <a:rPr lang="zh-CN" altLang="en-US" dirty="0" smtClean="0"/>
-              <a:t>显示磁盘状态命令</a:t>
-            </a:r>
-            <a:r>
-              <a:rPr lang="en-US" altLang="zh-CN" dirty="0" smtClean="0"/>
-              <a:t>dumpe2fs</a:t>
-            </a:r>
-            <a:endParaRPr lang="zh-CN" altLang="en-US" dirty="0"/>
-          </a:p>
-        </p:txBody>
-      </p:sp>
-    </p:spTree>
-    <p:extLst>
-      <p:ext uri="{BB962C8B-B14F-4D97-AF65-F5344CB8AC3E}">
-        <p14:creationId xmlns:p14="http://schemas.microsoft.com/office/powerpoint/2010/main" val="2876979294"/>
-      </p:ext>
-    </p:extLst>
-  </p:cSld>
-  <p:clrMapOvr>
-    <a:masterClrMapping/>
-  </p:clrMapOvr>
-  <p:timing>
-    <p:tnLst>
-      <p:par>
-        <p:cTn id="1" dur="indefinite" restart="never" nodeType="tmRoot"/>
-      </p:par>
-    </p:tnLst>
-  </p:timing>
-</p:sld>
-</file>
-
-<file path=ppt/slides/slide8.xml><?xml version="1.0" encoding="utf-8"?>
-<p:sld xmlns:a="http://schemas.openxmlformats.org/drawingml/2006/main" xmlns:r="http://schemas.openxmlformats.org/officeDocument/2006/relationships" xmlns:p="http://schemas.openxmlformats.org/presentationml/2006/main">
-  <p:cSld>
-    <p:spTree>
-      <p:nvGrpSpPr>
-        <p:cNvPr id="1" name=""/>
-        <p:cNvGrpSpPr/>
-        <p:nvPr/>
-      </p:nvGrpSpPr>
-      <p:grpSpPr>
-        <a:xfrm>
-          <a:off x="0" y="0"/>
-          <a:ext cx="0" cy="0"/>
-          <a:chOff x="0" y="0"/>
-          <a:chExt cx="0" cy="0"/>
-        </a:xfrm>
-      </p:grpSpPr>
-      <p:sp>
-        <p:nvSpPr>
           <p:cNvPr id="2" name="标题 1"/>
           <p:cNvSpPr>
             <a:spLocks noGrp="1"/>
@@ -27667,7 +27075,7 @@
 </p:sld>
 </file>
 
-<file path=ppt/slides/slide9.xml><?xml version="1.0" encoding="utf-8"?>
+<file path=ppt/slides/slide8.xml><?xml version="1.0" encoding="utf-8"?>
 <p:sld xmlns:a="http://schemas.openxmlformats.org/drawingml/2006/main" xmlns:r="http://schemas.openxmlformats.org/officeDocument/2006/relationships" xmlns:p="http://schemas.openxmlformats.org/presentationml/2006/main">
   <p:cSld>
     <p:spTree>
@@ -27845,7 +27253,7 @@
                 </a:solidFill>
               </a:rPr>
               <a:pPr eaLnBrk="1" hangingPunct="1"/>
-              <a:t>9</a:t>
+              <a:t>8</a:t>
             </a:fld>
             <a:endParaRPr lang="en-US" altLang="zh-CN" sz="1400" smtClean="0">
               <a:solidFill>
@@ -28490,6 +27898,394 @@
 </p:sld>
 </file>
 
+<file path=ppt/slides/slide9.xml><?xml version="1.0" encoding="utf-8"?>
+<p:sld xmlns:a="http://schemas.openxmlformats.org/drawingml/2006/main" xmlns:r="http://schemas.openxmlformats.org/officeDocument/2006/relationships" xmlns:p="http://schemas.openxmlformats.org/presentationml/2006/main">
+  <p:cSld>
+    <p:spTree>
+      <p:nvGrpSpPr>
+        <p:cNvPr id="1" name=""/>
+        <p:cNvGrpSpPr/>
+        <p:nvPr/>
+      </p:nvGrpSpPr>
+      <p:grpSpPr>
+        <a:xfrm>
+          <a:off x="0" y="0"/>
+          <a:ext cx="0" cy="0"/>
+          <a:chOff x="0" y="0"/>
+          <a:chExt cx="0" cy="0"/>
+        </a:xfrm>
+      </p:grpSpPr>
+      <p:sp>
+        <p:nvSpPr>
+          <p:cNvPr id="14338" name="灯片编号占位符 3"/>
+          <p:cNvSpPr>
+            <a:spLocks noGrp="1"/>
+          </p:cNvSpPr>
+          <p:nvPr>
+            <p:ph type="sldNum" sz="quarter" idx="4294967295"/>
+          </p:nvPr>
+        </p:nvSpPr>
+        <p:spPr bwMode="auto">
+          <a:xfrm>
+            <a:off x="8534401" y="6356351"/>
+            <a:ext cx="3052233" cy="365125"/>
+          </a:xfrm>
+          <a:prstGeom prst="rect">
+            <a:avLst/>
+          </a:prstGeom>
+          <a:noFill/>
+          <a:extLst>
+            <a:ext uri="{909E8E84-426E-40DD-AFC4-6F175D3DCCD1}">
+              <a14:hiddenFill xmlns:a14="http://schemas.microsoft.com/office/drawing/2010/main">
+                <a:solidFill>
+                  <a:srgbClr val="FFFFFF"/>
+                </a:solidFill>
+              </a14:hiddenFill>
+            </a:ext>
+            <a:ext uri="{91240B29-F687-4F45-9708-019B960494DF}">
+              <a14:hiddenLine xmlns:a14="http://schemas.microsoft.com/office/drawing/2010/main" w="9525">
+                <a:solidFill>
+                  <a:srgbClr val="000000"/>
+                </a:solidFill>
+                <a:miter lim="800000"/>
+                <a:headEnd/>
+                <a:tailEnd/>
+              </a14:hiddenLine>
+            </a:ext>
+          </a:extLst>
+        </p:spPr>
+        <p:txBody>
+          <a:bodyPr wrap="square" lIns="91440" tIns="45720" rIns="91440" bIns="45720" numCol="1" anchor="t" anchorCtr="0" compatLnSpc="1">
+            <a:prstTxWarp prst="textNoShape">
+              <a:avLst/>
+            </a:prstTxWarp>
+          </a:bodyPr>
+          <a:lstStyle>
+            <a:lvl1pPr eaLnBrk="0" hangingPunct="0">
+              <a:defRPr sz="3600">
+                <a:solidFill>
+                  <a:srgbClr val="000000"/>
+                </a:solidFill>
+                <a:latin typeface="Arial" charset="0"/>
+                <a:ea typeface="黑体" pitchFamily="2" charset="-122"/>
+              </a:defRPr>
+            </a:lvl1pPr>
+            <a:lvl2pPr marL="742950" indent="-285750" eaLnBrk="0" hangingPunct="0">
+              <a:defRPr sz="3600">
+                <a:solidFill>
+                  <a:srgbClr val="000000"/>
+                </a:solidFill>
+                <a:latin typeface="Arial" charset="0"/>
+                <a:ea typeface="黑体" pitchFamily="2" charset="-122"/>
+              </a:defRPr>
+            </a:lvl2pPr>
+            <a:lvl3pPr marL="1143000" indent="-228600" eaLnBrk="0" hangingPunct="0">
+              <a:defRPr sz="3600">
+                <a:solidFill>
+                  <a:srgbClr val="000000"/>
+                </a:solidFill>
+                <a:latin typeface="Arial" charset="0"/>
+                <a:ea typeface="黑体" pitchFamily="2" charset="-122"/>
+              </a:defRPr>
+            </a:lvl3pPr>
+            <a:lvl4pPr marL="1600200" indent="-228600" eaLnBrk="0" hangingPunct="0">
+              <a:defRPr sz="3600">
+                <a:solidFill>
+                  <a:srgbClr val="000000"/>
+                </a:solidFill>
+                <a:latin typeface="Arial" charset="0"/>
+                <a:ea typeface="黑体" pitchFamily="2" charset="-122"/>
+              </a:defRPr>
+            </a:lvl4pPr>
+            <a:lvl5pPr marL="2057400" indent="-228600" eaLnBrk="0" hangingPunct="0">
+              <a:defRPr sz="3600">
+                <a:solidFill>
+                  <a:srgbClr val="000000"/>
+                </a:solidFill>
+                <a:latin typeface="Arial" charset="0"/>
+                <a:ea typeface="黑体" pitchFamily="2" charset="-122"/>
+              </a:defRPr>
+            </a:lvl5pPr>
+            <a:lvl6pPr marL="2514600" indent="-228600" algn="ctr" eaLnBrk="0" fontAlgn="base" hangingPunct="0">
+              <a:spcBef>
+                <a:spcPct val="0"/>
+              </a:spcBef>
+              <a:spcAft>
+                <a:spcPct val="0"/>
+              </a:spcAft>
+              <a:defRPr sz="3600">
+                <a:solidFill>
+                  <a:srgbClr val="000000"/>
+                </a:solidFill>
+                <a:latin typeface="Arial" charset="0"/>
+                <a:ea typeface="黑体" pitchFamily="2" charset="-122"/>
+              </a:defRPr>
+            </a:lvl6pPr>
+            <a:lvl7pPr marL="2971800" indent="-228600" algn="ctr" eaLnBrk="0" fontAlgn="base" hangingPunct="0">
+              <a:spcBef>
+                <a:spcPct val="0"/>
+              </a:spcBef>
+              <a:spcAft>
+                <a:spcPct val="0"/>
+              </a:spcAft>
+              <a:defRPr sz="3600">
+                <a:solidFill>
+                  <a:srgbClr val="000000"/>
+                </a:solidFill>
+                <a:latin typeface="Arial" charset="0"/>
+                <a:ea typeface="黑体" pitchFamily="2" charset="-122"/>
+              </a:defRPr>
+            </a:lvl7pPr>
+            <a:lvl8pPr marL="3429000" indent="-228600" algn="ctr" eaLnBrk="0" fontAlgn="base" hangingPunct="0">
+              <a:spcBef>
+                <a:spcPct val="0"/>
+              </a:spcBef>
+              <a:spcAft>
+                <a:spcPct val="0"/>
+              </a:spcAft>
+              <a:defRPr sz="3600">
+                <a:solidFill>
+                  <a:srgbClr val="000000"/>
+                </a:solidFill>
+                <a:latin typeface="Arial" charset="0"/>
+                <a:ea typeface="黑体" pitchFamily="2" charset="-122"/>
+              </a:defRPr>
+            </a:lvl8pPr>
+            <a:lvl9pPr marL="3886200" indent="-228600" algn="ctr" eaLnBrk="0" fontAlgn="base" hangingPunct="0">
+              <a:spcBef>
+                <a:spcPct val="0"/>
+              </a:spcBef>
+              <a:spcAft>
+                <a:spcPct val="0"/>
+              </a:spcAft>
+              <a:defRPr sz="3600">
+                <a:solidFill>
+                  <a:srgbClr val="000000"/>
+                </a:solidFill>
+                <a:latin typeface="Arial" charset="0"/>
+                <a:ea typeface="黑体" pitchFamily="2" charset="-122"/>
+              </a:defRPr>
+            </a:lvl9pPr>
+          </a:lstStyle>
+          <a:p>
+            <a:pPr eaLnBrk="1" hangingPunct="1"/>
+            <a:fld id="{208C6273-B229-4CC4-99F3-130B5EB8472A}" type="slidenum">
+              <a:rPr lang="en-US" altLang="zh-CN" sz="1400" smtClean="0">
+                <a:solidFill>
+                  <a:schemeClr val="tx2"/>
+                </a:solidFill>
+              </a:rPr>
+              <a:pPr eaLnBrk="1" hangingPunct="1"/>
+              <a:t>9</a:t>
+            </a:fld>
+            <a:endParaRPr lang="en-US" altLang="zh-CN" sz="1400" smtClean="0">
+              <a:solidFill>
+                <a:schemeClr val="tx2"/>
+              </a:solidFill>
+            </a:endParaRPr>
+          </a:p>
+        </p:txBody>
+      </p:sp>
+      <p:sp>
+        <p:nvSpPr>
+          <p:cNvPr id="14339" name="Rectangle 10"/>
+          <p:cNvSpPr>
+            <a:spLocks noGrp="1" noChangeArrowheads="1"/>
+          </p:cNvSpPr>
+          <p:nvPr>
+            <p:ph type="title"/>
+          </p:nvPr>
+        </p:nvSpPr>
+        <p:spPr/>
+        <p:txBody>
+          <a:bodyPr/>
+          <a:lstStyle/>
+          <a:p>
+            <a:pPr eaLnBrk="1" hangingPunct="1"/>
+            <a:r>
+              <a:rPr lang="zh-CN" altLang="en-US" smtClean="0"/>
+              <a:t>规划硬盘中的分区</a:t>
+            </a:r>
+          </a:p>
+        </p:txBody>
+      </p:sp>
+      <p:sp>
+        <p:nvSpPr>
+          <p:cNvPr id="14340" name="Rectangle 11"/>
+          <p:cNvSpPr>
+            <a:spLocks noGrp="1" noChangeArrowheads="1"/>
+          </p:cNvSpPr>
+          <p:nvPr>
+            <p:ph type="body" idx="1"/>
+          </p:nvPr>
+        </p:nvSpPr>
+        <p:spPr>
+          <a:xfrm>
+            <a:off x="609600" y="1115965"/>
+            <a:ext cx="10972800" cy="5815780"/>
+          </a:xfrm>
+        </p:spPr>
+        <p:txBody>
+          <a:bodyPr>
+            <a:normAutofit fontScale="55000" lnSpcReduction="20000"/>
+          </a:bodyPr>
+          <a:lstStyle/>
+          <a:p>
+            <a:pPr>
+              <a:lnSpc>
+                <a:spcPct val="150000"/>
+              </a:lnSpc>
+            </a:pPr>
+            <a:r>
+              <a:rPr lang="en-US" altLang="zh-CN" sz="4700" dirty="0" err="1"/>
+              <a:t>fdisk</a:t>
+            </a:r>
+            <a:r>
+              <a:rPr lang="zh-CN" altLang="en-US" sz="4700" dirty="0"/>
+              <a:t>命令</a:t>
+            </a:r>
+          </a:p>
+          <a:p>
+            <a:pPr lvl="1" eaLnBrk="1" hangingPunct="1"/>
+            <a:r>
+              <a:rPr lang="zh-CN" altLang="en-US" sz="4200" dirty="0"/>
+              <a:t>用途：在交互式的操作环境中管理磁盘分区</a:t>
+            </a:r>
+          </a:p>
+          <a:p>
+            <a:pPr lvl="1" eaLnBrk="1" hangingPunct="1"/>
+            <a:r>
+              <a:rPr lang="zh-CN" altLang="en-US" sz="4200" dirty="0"/>
+              <a:t>格式：</a:t>
+            </a:r>
+            <a:r>
+              <a:rPr lang="en-US" altLang="zh-CN" sz="4200" dirty="0" err="1"/>
+              <a:t>fdisk</a:t>
+            </a:r>
+            <a:r>
+              <a:rPr lang="en-US" altLang="zh-CN" sz="4200" dirty="0"/>
+              <a:t>  [</a:t>
+            </a:r>
+            <a:r>
+              <a:rPr lang="zh-CN" altLang="en-US" sz="4200" dirty="0"/>
+              <a:t>磁盘设备</a:t>
+            </a:r>
+            <a:r>
+              <a:rPr lang="en-US" altLang="zh-CN" sz="4200" dirty="0"/>
+              <a:t>]</a:t>
+            </a:r>
+          </a:p>
+          <a:p>
+            <a:pPr>
+              <a:lnSpc>
+                <a:spcPct val="150000"/>
+              </a:lnSpc>
+            </a:pPr>
+            <a:r>
+              <a:rPr lang="zh-CN" altLang="en-US" sz="3600" dirty="0"/>
+              <a:t>交互模式中的常用指令</a:t>
+            </a:r>
+          </a:p>
+          <a:p>
+            <a:pPr lvl="1"/>
+            <a:r>
+              <a:rPr lang="en-US" altLang="zh-CN" sz="4200" dirty="0"/>
+              <a:t>m</a:t>
+            </a:r>
+            <a:r>
+              <a:rPr lang="zh-CN" altLang="en-US" sz="4200" dirty="0"/>
+              <a:t>：查看操作指令的帮助信息</a:t>
+            </a:r>
+          </a:p>
+          <a:p>
+            <a:pPr lvl="1"/>
+            <a:r>
+              <a:rPr lang="en-US" altLang="zh-CN" sz="4200" dirty="0"/>
+              <a:t>p</a:t>
+            </a:r>
+            <a:r>
+              <a:rPr lang="zh-CN" altLang="en-US" sz="4200" dirty="0"/>
+              <a:t>：列表查看分区信息</a:t>
+            </a:r>
+          </a:p>
+          <a:p>
+            <a:pPr lvl="1"/>
+            <a:r>
+              <a:rPr lang="en-US" altLang="zh-CN" sz="4100" dirty="0" smtClean="0"/>
+              <a:t>n</a:t>
+            </a:r>
+            <a:r>
+              <a:rPr lang="zh-CN" altLang="en-US" sz="4100" dirty="0" smtClean="0"/>
+              <a:t>：新建分区</a:t>
+            </a:r>
+          </a:p>
+          <a:p>
+            <a:pPr lvl="1"/>
+            <a:r>
+              <a:rPr lang="en-US" altLang="zh-CN" sz="4100" dirty="0" smtClean="0"/>
+              <a:t>d</a:t>
+            </a:r>
+            <a:r>
+              <a:rPr lang="zh-CN" altLang="en-US" sz="4100" dirty="0" smtClean="0"/>
+              <a:t>：删除分区</a:t>
+            </a:r>
+          </a:p>
+          <a:p>
+            <a:pPr lvl="1"/>
+            <a:r>
+              <a:rPr lang="en-US" altLang="zh-CN" sz="4100" dirty="0" smtClean="0"/>
+              <a:t>t</a:t>
+            </a:r>
+            <a:r>
+              <a:rPr lang="zh-CN" altLang="en-US" sz="4100" dirty="0" smtClean="0"/>
+              <a:t>：变更分区类型</a:t>
+            </a:r>
+          </a:p>
+          <a:p>
+            <a:pPr lvl="1"/>
+            <a:r>
+              <a:rPr lang="en-US" altLang="zh-CN" sz="4100" dirty="0" smtClean="0"/>
+              <a:t>w</a:t>
+            </a:r>
+            <a:r>
+              <a:rPr lang="zh-CN" altLang="en-US" sz="4100" dirty="0" smtClean="0"/>
+              <a:t>：保存分区设置并退出</a:t>
+            </a:r>
+          </a:p>
+          <a:p>
+            <a:pPr lvl="1"/>
+            <a:r>
+              <a:rPr lang="en-US" altLang="zh-CN" sz="4100" dirty="0" smtClean="0"/>
+              <a:t>q</a:t>
+            </a:r>
+            <a:r>
+              <a:rPr lang="zh-CN" altLang="en-US" sz="4100" dirty="0" smtClean="0"/>
+              <a:t>：放弃分区设置并退出</a:t>
+            </a:r>
+            <a:endParaRPr lang="zh-CN" altLang="en-US" sz="4100" dirty="0"/>
+          </a:p>
+        </p:txBody>
+      </p:sp>
+    </p:spTree>
+    <p:extLst>
+      <p:ext uri="{BB962C8B-B14F-4D97-AF65-F5344CB8AC3E}">
+        <p14:creationId xmlns:p14="http://schemas.microsoft.com/office/powerpoint/2010/main" val="1320502049"/>
+      </p:ext>
+    </p:extLst>
+  </p:cSld>
+  <p:clrMapOvr>
+    <a:masterClrMapping/>
+  </p:clrMapOvr>
+  <p:timing>
+    <p:tnLst>
+      <p:par>
+        <p:cTn id="1" dur="indefinite" restart="never" nodeType="tmRoot"/>
+      </p:par>
+    </p:tnLst>
+  </p:timing>
+</p:sld>
+</file>
+
 <file path=ppt/theme/theme1.xml><?xml version="1.0" encoding="utf-8"?>
 <a:theme xmlns:a="http://schemas.openxmlformats.org/drawingml/2006/main" name="丝状">
   <a:themeElements>
@@ -28498,7 +28294,7 @@
         <a:sysClr val="windowText" lastClr="000000"/>
       </a:dk1>
       <a:lt1>
-        <a:sysClr val="window" lastClr="CCE8CF"/>
+        <a:sysClr val="window" lastClr="FFFFFF"/>
       </a:lt1>
       <a:dk2>
         <a:srgbClr val="766F54"/>
@@ -28727,7 +28523,7 @@
   <a:extraClrSchemeLst/>
   <a:extLst>
     <a:ext uri="{05A4C25C-085E-4340-85A3-A5531E510DB2}">
-      <thm15:themeFamily xmlns="" xmlns:thm15="http://schemas.microsoft.com/office/thememl/2012/main" name="Wisp" id="{7CB32D59-10C0-40DD-B7BD-2E94284A981C}" vid="{24B1A44C-C006-48B2-A4D7-E5549B3D8CD4}"/>
+      <thm15:themeFamily xmlns:thm15="http://schemas.microsoft.com/office/thememl/2012/main" xmlns="" name="Wisp" id="{7CB32D59-10C0-40DD-B7BD-2E94284A981C}" vid="{24B1A44C-C006-48B2-A4D7-E5549B3D8CD4}"/>
     </a:ext>
   </a:extLst>
 </a:theme>
@@ -28741,7 +28537,7 @@
         <a:sysClr val="windowText" lastClr="000000"/>
       </a:dk1>
       <a:lt1>
-        <a:sysClr val="window" lastClr="CCE8CF"/>
+        <a:sysClr val="window" lastClr="FFFFFF"/>
       </a:lt1>
       <a:dk2>
         <a:srgbClr val="44546A"/>
@@ -28988,7 +28784,7 @@
   <a:extraClrSchemeLst/>
   <a:extLst>
     <a:ext uri="{05A4C25C-085E-4340-85A3-A5531E510DB2}">
-      <thm15:themeFamily xmlns="" xmlns:thm15="http://schemas.microsoft.com/office/thememl/2012/main" name="Office Theme" id="{62F939B6-93AF-4DB8-9C6B-D6C7DFDC589F}" vid="{4A3C46E8-61CC-4603-A589-7422A47A8E4A}"/>
+      <thm15:themeFamily xmlns:thm15="http://schemas.microsoft.com/office/thememl/2012/main" xmlns="" name="Office Theme" id="{62F939B6-93AF-4DB8-9C6B-D6C7DFDC589F}" vid="{4A3C46E8-61CC-4603-A589-7422A47A8E4A}"/>
     </a:ext>
   </a:extLst>
 </a:theme>
